--- a/src/public/images/sources/sources.pptx
+++ b/src/public/images/sources/sources.pptx
@@ -8,15 +8,17 @@
     <p:sldId id="268" r:id="rId2"/>
     <p:sldId id="269" r:id="rId3"/>
     <p:sldId id="271" r:id="rId4"/>
-    <p:sldId id="258" r:id="rId5"/>
-    <p:sldId id="259" r:id="rId6"/>
-    <p:sldId id="260" r:id="rId7"/>
-    <p:sldId id="261" r:id="rId8"/>
-    <p:sldId id="262" r:id="rId9"/>
-    <p:sldId id="263" r:id="rId10"/>
-    <p:sldId id="264" r:id="rId11"/>
-    <p:sldId id="265" r:id="rId12"/>
-    <p:sldId id="266" r:id="rId13"/>
+    <p:sldId id="272" r:id="rId5"/>
+    <p:sldId id="273" r:id="rId6"/>
+    <p:sldId id="274" r:id="rId7"/>
+    <p:sldId id="285" r:id="rId8"/>
+    <p:sldId id="275" r:id="rId9"/>
+    <p:sldId id="276" r:id="rId10"/>
+    <p:sldId id="277" r:id="rId11"/>
+    <p:sldId id="278" r:id="rId12"/>
+    <p:sldId id="279" r:id="rId13"/>
+    <p:sldId id="280" r:id="rId14"/>
+    <p:sldId id="284" r:id="rId15"/>
   </p:sldIdLst>
   <p:sldSz cx="9144000" cy="6858000" type="screen4x3"/>
   <p:notesSz cx="6858000" cy="9144000"/>
@@ -3624,100 +3626,6 @@
       </p:grpSp>
       <p:grpSp>
         <p:nvGrpSpPr>
-          <p:cNvPr id="12" name="Group 11"/>
-          <p:cNvGrpSpPr/>
-          <p:nvPr/>
-        </p:nvGrpSpPr>
-        <p:grpSpPr>
-          <a:xfrm>
-            <a:off x="4553111" y="2933272"/>
-            <a:ext cx="2172171" cy="602232"/>
-            <a:chOff x="1242710" y="1226250"/>
-            <a:chExt cx="1063131" cy="979673"/>
-          </a:xfrm>
-        </p:grpSpPr>
-        <p:sp>
-          <p:nvSpPr>
-            <p:cNvPr id="13" name="Rectangle 12"/>
-            <p:cNvSpPr/>
-            <p:nvPr/>
-          </p:nvSpPr>
-          <p:spPr>
-            <a:xfrm>
-              <a:off x="1242710" y="1226250"/>
-              <a:ext cx="1063131" cy="979673"/>
-            </a:xfrm>
-            <a:prstGeom prst="rect">
-              <a:avLst/>
-            </a:prstGeom>
-            <a:noFill/>
-            <a:ln>
-              <a:solidFill>
-                <a:schemeClr val="tx1"/>
-              </a:solidFill>
-            </a:ln>
-          </p:spPr>
-          <p:style>
-            <a:lnRef idx="1">
-              <a:schemeClr val="accent1"/>
-            </a:lnRef>
-            <a:fillRef idx="3">
-              <a:schemeClr val="accent1"/>
-            </a:fillRef>
-            <a:effectRef idx="2">
-              <a:schemeClr val="accent1"/>
-            </a:effectRef>
-            <a:fontRef idx="minor">
-              <a:schemeClr val="lt1"/>
-            </a:fontRef>
-          </p:style>
-          <p:txBody>
-            <a:bodyPr/>
-            <a:lstStyle/>
-            <a:p>
-              <a:endParaRPr lang="en-US"/>
-            </a:p>
-          </p:txBody>
-        </p:sp>
-        <p:sp>
-          <p:nvSpPr>
-            <p:cNvPr id="14" name="TextBox 13"/>
-            <p:cNvSpPr txBox="1"/>
-            <p:nvPr/>
-          </p:nvSpPr>
-          <p:spPr>
-            <a:xfrm>
-              <a:off x="1520518" y="1403769"/>
-              <a:ext cx="785323" cy="600806"/>
-            </a:xfrm>
-            <a:prstGeom prst="rect">
-              <a:avLst/>
-            </a:prstGeom>
-            <a:noFill/>
-          </p:spPr>
-          <p:txBody>
-            <a:bodyPr wrap="square" rtlCol="0">
-              <a:spAutoFit/>
-            </a:bodyPr>
-            <a:lstStyle/>
-            <a:p>
-              <a:r>
-                <a:rPr lang="en-US" dirty="0" smtClean="0">
-                  <a:latin typeface="Helvetica"/>
-                  <a:cs typeface="Helvetica"/>
-                </a:rPr>
-                <a:t>imposter</a:t>
-              </a:r>
-              <a:endParaRPr lang="en-US" dirty="0">
-                <a:latin typeface="Helvetica"/>
-                <a:cs typeface="Helvetica"/>
-              </a:endParaRPr>
-            </a:p>
-          </p:txBody>
-        </p:sp>
-      </p:grpSp>
-      <p:grpSp>
-        <p:nvGrpSpPr>
           <p:cNvPr id="15" name="Group 14"/>
           <p:cNvGrpSpPr/>
           <p:nvPr/>
@@ -3810,18 +3718,199 @@
           </p:txBody>
         </p:sp>
       </p:grpSp>
+      <p:grpSp>
+        <p:nvGrpSpPr>
+          <p:cNvPr id="13" name="Group 12"/>
+          <p:cNvGrpSpPr/>
+          <p:nvPr/>
+        </p:nvGrpSpPr>
+        <p:grpSpPr>
+          <a:xfrm>
+            <a:off x="4553111" y="2944636"/>
+            <a:ext cx="2279194" cy="628730"/>
+            <a:chOff x="1242710" y="1226250"/>
+            <a:chExt cx="1076953" cy="979673"/>
+          </a:xfrm>
+        </p:grpSpPr>
+        <p:sp>
+          <p:nvSpPr>
+            <p:cNvPr id="14" name="Rectangle 13"/>
+            <p:cNvSpPr/>
+            <p:nvPr/>
+          </p:nvSpPr>
+          <p:spPr>
+            <a:xfrm>
+              <a:off x="1242710" y="1226250"/>
+              <a:ext cx="1063131" cy="979673"/>
+            </a:xfrm>
+            <a:prstGeom prst="rect">
+              <a:avLst/>
+            </a:prstGeom>
+            <a:noFill/>
+            <a:ln>
+              <a:solidFill>
+                <a:schemeClr val="tx1"/>
+              </a:solidFill>
+            </a:ln>
+          </p:spPr>
+          <p:style>
+            <a:lnRef idx="1">
+              <a:schemeClr val="accent1"/>
+            </a:lnRef>
+            <a:fillRef idx="3">
+              <a:schemeClr val="accent1"/>
+            </a:fillRef>
+            <a:effectRef idx="2">
+              <a:schemeClr val="accent1"/>
+            </a:effectRef>
+            <a:fontRef idx="minor">
+              <a:schemeClr val="lt1"/>
+            </a:fontRef>
+          </p:style>
+          <p:txBody>
+            <a:bodyPr/>
+            <a:lstStyle/>
+            <a:p>
+              <a:endParaRPr lang="en-US"/>
+            </a:p>
+          </p:txBody>
+        </p:sp>
+        <p:sp>
+          <p:nvSpPr>
+            <p:cNvPr id="18" name="TextBox 17"/>
+            <p:cNvSpPr txBox="1"/>
+            <p:nvPr/>
+          </p:nvSpPr>
+          <p:spPr>
+            <a:xfrm>
+              <a:off x="1534340" y="1464266"/>
+              <a:ext cx="785323" cy="575485"/>
+            </a:xfrm>
+            <a:prstGeom prst="rect">
+              <a:avLst/>
+            </a:prstGeom>
+            <a:noFill/>
+          </p:spPr>
+          <p:txBody>
+            <a:bodyPr wrap="square" rtlCol="0">
+              <a:spAutoFit/>
+            </a:bodyPr>
+            <a:lstStyle/>
+            <a:p>
+              <a:r>
+                <a:rPr lang="en-US" dirty="0" smtClean="0">
+                  <a:latin typeface="Helvetica"/>
+                  <a:cs typeface="Helvetica"/>
+                </a:rPr>
+                <a:t>imposter</a:t>
+              </a:r>
+              <a:endParaRPr lang="en-US" dirty="0">
+                <a:latin typeface="Helvetica"/>
+                <a:cs typeface="Helvetica"/>
+              </a:endParaRPr>
+            </a:p>
+          </p:txBody>
+        </p:sp>
+      </p:grpSp>
+      <p:sp>
+        <p:nvSpPr>
+          <p:cNvPr id="22" name="Lightning Bolt 21"/>
+          <p:cNvSpPr/>
+          <p:nvPr/>
+        </p:nvSpPr>
+        <p:spPr>
+          <a:xfrm rot="18432592">
+            <a:off x="3514953" y="2880695"/>
+            <a:ext cx="822960" cy="822960"/>
+          </a:xfrm>
+          <a:prstGeom prst="lightningBolt">
+            <a:avLst/>
+          </a:prstGeom>
+          <a:noFill/>
+          <a:ln>
+            <a:solidFill>
+              <a:schemeClr val="bg1">
+                <a:lumMod val="95000"/>
+              </a:schemeClr>
+            </a:solidFill>
+          </a:ln>
+        </p:spPr>
+        <p:style>
+          <a:lnRef idx="1">
+            <a:schemeClr val="accent1"/>
+          </a:lnRef>
+          <a:fillRef idx="3">
+            <a:schemeClr val="accent1"/>
+          </a:fillRef>
+          <a:effectRef idx="2">
+            <a:schemeClr val="accent1"/>
+          </a:effectRef>
+          <a:fontRef idx="minor">
+            <a:schemeClr val="lt1"/>
+          </a:fontRef>
+        </p:style>
+        <p:txBody>
+          <a:bodyPr/>
+          <a:lstStyle/>
+          <a:p>
+            <a:endParaRPr lang="en-US"/>
+          </a:p>
+        </p:txBody>
+      </p:sp>
+      <p:sp>
+        <p:nvSpPr>
+          <p:cNvPr id="23" name="TextBox 22"/>
+          <p:cNvSpPr txBox="1"/>
+          <p:nvPr/>
+        </p:nvSpPr>
+        <p:spPr>
+          <a:xfrm>
+            <a:off x="3660901" y="2673066"/>
+            <a:ext cx="822060" cy="369332"/>
+          </a:xfrm>
+          <a:prstGeom prst="rect">
+            <a:avLst/>
+          </a:prstGeom>
+          <a:noFill/>
+        </p:spPr>
+        <p:txBody>
+          <a:bodyPr wrap="none" rtlCol="0">
+            <a:spAutoFit/>
+          </a:bodyPr>
+          <a:lstStyle/>
+          <a:p>
+            <a:r>
+              <a:rPr lang="en-US" b="1" i="1" dirty="0" smtClean="0">
+                <a:solidFill>
+                  <a:schemeClr val="bg1">
+                    <a:lumMod val="95000"/>
+                  </a:schemeClr>
+                </a:solidFill>
+              </a:rPr>
+              <a:t>magic</a:t>
+            </a:r>
+            <a:endParaRPr lang="en-US" b="1" i="1" dirty="0">
+              <a:solidFill>
+                <a:schemeClr val="bg1">
+                  <a:lumMod val="95000"/>
+                </a:schemeClr>
+              </a:solidFill>
+            </a:endParaRPr>
+          </a:p>
+        </p:txBody>
+      </p:sp>
       <p:cxnSp>
         <p:nvCxnSpPr>
-          <p:cNvPr id="7" name="Straight Arrow Connector 6"/>
+          <p:cNvPr id="6" name="Straight Arrow Connector 5"/>
           <p:cNvCxnSpPr>
-            <a:endCxn id="10" idx="0"/>
+            <a:endCxn id="16" idx="1"/>
           </p:cNvCxnSpPr>
           <p:nvPr/>
         </p:nvCxnSpPr>
         <p:spPr>
-          <a:xfrm>
-            <a:off x="2328796" y="1854981"/>
-            <a:ext cx="0" cy="1078291"/>
+          <a:xfrm flipV="1">
+            <a:off x="3492652" y="1540616"/>
+            <a:ext cx="1060459" cy="13558"/>
           </a:xfrm>
           <a:prstGeom prst="straightConnector1">
             <a:avLst/>
@@ -3832,7 +3921,9 @@
                 <a:lumMod val="65000"/>
               </a:schemeClr>
             </a:solidFill>
-            <a:tailEnd type="arrow"/>
+            <a:prstDash val="dash"/>
+            <a:headEnd type="arrow"/>
+            <a:tailEnd type="none"/>
           </a:ln>
         </p:spPr>
         <p:style>
@@ -3850,19 +3941,60 @@
           </a:fontRef>
         </p:style>
       </p:cxnSp>
+      <p:sp>
+        <p:nvSpPr>
+          <p:cNvPr id="12" name="TextBox 11"/>
+          <p:cNvSpPr txBox="1"/>
+          <p:nvPr/>
+        </p:nvSpPr>
+        <p:spPr>
+          <a:xfrm>
+            <a:off x="3725882" y="1171284"/>
+            <a:ext cx="573632" cy="369332"/>
+          </a:xfrm>
+          <a:prstGeom prst="rect">
+            <a:avLst/>
+          </a:prstGeom>
+          <a:noFill/>
+        </p:spPr>
+        <p:txBody>
+          <a:bodyPr wrap="none" rtlCol="0">
+            <a:spAutoFit/>
+          </a:bodyPr>
+          <a:lstStyle/>
+          <a:p>
+            <a:r>
+              <a:rPr lang="en-US" dirty="0" smtClean="0">
+                <a:solidFill>
+                  <a:schemeClr val="bg1">
+                    <a:lumMod val="65000"/>
+                  </a:schemeClr>
+                </a:solidFill>
+              </a:rPr>
+              <a:t>http</a:t>
+            </a:r>
+            <a:endParaRPr lang="en-US" dirty="0">
+              <a:solidFill>
+                <a:schemeClr val="bg1">
+                  <a:lumMod val="65000"/>
+                </a:schemeClr>
+              </a:solidFill>
+            </a:endParaRPr>
+          </a:p>
+        </p:txBody>
+      </p:sp>
       <p:cxnSp>
         <p:nvCxnSpPr>
-          <p:cNvPr id="3" name="Straight Arrow Connector 2"/>
+          <p:cNvPr id="19" name="Straight Arrow Connector 18"/>
           <p:cNvCxnSpPr>
-            <a:stCxn id="10" idx="3"/>
-            <a:endCxn id="13" idx="1"/>
+            <a:endCxn id="10" idx="0"/>
           </p:cNvCxnSpPr>
           <p:nvPr/>
         </p:nvCxnSpPr>
         <p:spPr>
           <a:xfrm>
-            <a:off x="3414881" y="3234388"/>
-            <a:ext cx="1138230" cy="0"/>
+            <a:off x="2328796" y="1854981"/>
+            <a:ext cx="0" cy="1078291"/>
           </a:xfrm>
           <a:prstGeom prst="straightConnector1">
             <a:avLst/>
@@ -3889,10 +4021,40 @@
           </a:fontRef>
         </p:style>
       </p:cxnSp>
+      <p:sp>
+        <p:nvSpPr>
+          <p:cNvPr id="26" name="TextBox 25"/>
+          <p:cNvSpPr txBox="1"/>
+          <p:nvPr/>
+        </p:nvSpPr>
+        <p:spPr>
+          <a:xfrm>
+            <a:off x="2328796" y="2239346"/>
+            <a:ext cx="573632" cy="369332"/>
+          </a:xfrm>
+          <a:prstGeom prst="rect">
+            <a:avLst/>
+          </a:prstGeom>
+          <a:noFill/>
+        </p:spPr>
+        <p:txBody>
+          <a:bodyPr wrap="none" rtlCol="0">
+            <a:spAutoFit/>
+          </a:bodyPr>
+          <a:lstStyle/>
+          <a:p>
+            <a:r>
+              <a:rPr lang="en-US" dirty="0" smtClean="0"/>
+              <a:t>http</a:t>
+            </a:r>
+            <a:endParaRPr lang="en-US" dirty="0"/>
+          </a:p>
+        </p:txBody>
+      </p:sp>
     </p:spTree>
     <p:extLst>
       <p:ext uri="{BB962C8B-B14F-4D97-AF65-F5344CB8AC3E}">
-        <p14:creationId xmlns:p14="http://schemas.microsoft.com/office/powerpoint/2010/main" val="717753839"/>
+        <p14:creationId xmlns:p14="http://schemas.microsoft.com/office/powerpoint/2010/main" val="1403055993"/>
       </p:ext>
     </p:extLst>
   </p:cSld>
@@ -4117,111 +4279,6 @@
       </p:grpSp>
       <p:grpSp>
         <p:nvGrpSpPr>
-          <p:cNvPr id="12" name="Group 11"/>
-          <p:cNvGrpSpPr/>
-          <p:nvPr/>
-        </p:nvGrpSpPr>
-        <p:grpSpPr>
-          <a:xfrm>
-            <a:off x="4553111" y="2933272"/>
-            <a:ext cx="2172171" cy="602232"/>
-            <a:chOff x="1242710" y="1226250"/>
-            <a:chExt cx="1063131" cy="979673"/>
-          </a:xfrm>
-        </p:grpSpPr>
-        <p:sp>
-          <p:nvSpPr>
-            <p:cNvPr id="13" name="Rectangle 12"/>
-            <p:cNvSpPr/>
-            <p:nvPr/>
-          </p:nvSpPr>
-          <p:spPr>
-            <a:xfrm>
-              <a:off x="1242710" y="1226250"/>
-              <a:ext cx="1063131" cy="979673"/>
-            </a:xfrm>
-            <a:prstGeom prst="rect">
-              <a:avLst/>
-            </a:prstGeom>
-            <a:noFill/>
-            <a:ln>
-              <a:solidFill>
-                <a:schemeClr val="bg1">
-                  <a:lumMod val="65000"/>
-                </a:schemeClr>
-              </a:solidFill>
-            </a:ln>
-          </p:spPr>
-          <p:style>
-            <a:lnRef idx="1">
-              <a:schemeClr val="accent1"/>
-            </a:lnRef>
-            <a:fillRef idx="3">
-              <a:schemeClr val="accent1"/>
-            </a:fillRef>
-            <a:effectRef idx="2">
-              <a:schemeClr val="accent1"/>
-            </a:effectRef>
-            <a:fontRef idx="minor">
-              <a:schemeClr val="lt1"/>
-            </a:fontRef>
-          </p:style>
-          <p:txBody>
-            <a:bodyPr/>
-            <a:lstStyle/>
-            <a:p>
-              <a:endParaRPr lang="en-US"/>
-            </a:p>
-          </p:txBody>
-        </p:sp>
-        <p:sp>
-          <p:nvSpPr>
-            <p:cNvPr id="14" name="TextBox 13"/>
-            <p:cNvSpPr txBox="1"/>
-            <p:nvPr/>
-          </p:nvSpPr>
-          <p:spPr>
-            <a:xfrm>
-              <a:off x="1520518" y="1403769"/>
-              <a:ext cx="785323" cy="600806"/>
-            </a:xfrm>
-            <a:prstGeom prst="rect">
-              <a:avLst/>
-            </a:prstGeom>
-            <a:noFill/>
-            <a:ln>
-              <a:noFill/>
-            </a:ln>
-          </p:spPr>
-          <p:txBody>
-            <a:bodyPr wrap="square" rtlCol="0">
-              <a:spAutoFit/>
-            </a:bodyPr>
-            <a:lstStyle/>
-            <a:p>
-              <a:r>
-                <a:rPr lang="en-US" dirty="0" smtClean="0">
-                  <a:solidFill>
-                    <a:srgbClr val="A6A6A6"/>
-                  </a:solidFill>
-                  <a:latin typeface="Helvetica"/>
-                  <a:cs typeface="Helvetica"/>
-                </a:rPr>
-                <a:t>imposter</a:t>
-              </a:r>
-              <a:endParaRPr lang="en-US" dirty="0">
-                <a:solidFill>
-                  <a:srgbClr val="A6A6A6"/>
-                </a:solidFill>
-                <a:latin typeface="Helvetica"/>
-                <a:cs typeface="Helvetica"/>
-              </a:endParaRPr>
-            </a:p>
-          </p:txBody>
-        </p:sp>
-      </p:grpSp>
-      <p:grpSp>
-        <p:nvGrpSpPr>
           <p:cNvPr id="15" name="Group 14"/>
           <p:cNvGrpSpPr/>
           <p:nvPr/>
@@ -4314,9 +4371,176 @@
           </p:txBody>
         </p:sp>
       </p:grpSp>
+      <p:grpSp>
+        <p:nvGrpSpPr>
+          <p:cNvPr id="13" name="Group 12"/>
+          <p:cNvGrpSpPr/>
+          <p:nvPr/>
+        </p:nvGrpSpPr>
+        <p:grpSpPr>
+          <a:xfrm>
+            <a:off x="4553111" y="2944636"/>
+            <a:ext cx="2279194" cy="628730"/>
+            <a:chOff x="1242710" y="1226250"/>
+            <a:chExt cx="1076953" cy="979673"/>
+          </a:xfrm>
+        </p:grpSpPr>
+        <p:sp>
+          <p:nvSpPr>
+            <p:cNvPr id="14" name="Rectangle 13"/>
+            <p:cNvSpPr/>
+            <p:nvPr/>
+          </p:nvSpPr>
+          <p:spPr>
+            <a:xfrm>
+              <a:off x="1242710" y="1226250"/>
+              <a:ext cx="1063131" cy="979673"/>
+            </a:xfrm>
+            <a:prstGeom prst="rect">
+              <a:avLst/>
+            </a:prstGeom>
+            <a:noFill/>
+            <a:ln>
+              <a:solidFill>
+                <a:schemeClr val="tx1"/>
+              </a:solidFill>
+            </a:ln>
+          </p:spPr>
+          <p:style>
+            <a:lnRef idx="1">
+              <a:schemeClr val="accent1"/>
+            </a:lnRef>
+            <a:fillRef idx="3">
+              <a:schemeClr val="accent1"/>
+            </a:fillRef>
+            <a:effectRef idx="2">
+              <a:schemeClr val="accent1"/>
+            </a:effectRef>
+            <a:fontRef idx="minor">
+              <a:schemeClr val="lt1"/>
+            </a:fontRef>
+          </p:style>
+          <p:txBody>
+            <a:bodyPr/>
+            <a:lstStyle/>
+            <a:p>
+              <a:endParaRPr lang="en-US"/>
+            </a:p>
+          </p:txBody>
+        </p:sp>
+        <p:sp>
+          <p:nvSpPr>
+            <p:cNvPr id="18" name="TextBox 17"/>
+            <p:cNvSpPr txBox="1"/>
+            <p:nvPr/>
+          </p:nvSpPr>
+          <p:spPr>
+            <a:xfrm>
+              <a:off x="1534340" y="1464266"/>
+              <a:ext cx="785323" cy="575485"/>
+            </a:xfrm>
+            <a:prstGeom prst="rect">
+              <a:avLst/>
+            </a:prstGeom>
+            <a:noFill/>
+          </p:spPr>
+          <p:txBody>
+            <a:bodyPr wrap="square" rtlCol="0">
+              <a:spAutoFit/>
+            </a:bodyPr>
+            <a:lstStyle/>
+            <a:p>
+              <a:r>
+                <a:rPr lang="en-US" dirty="0" smtClean="0">
+                  <a:latin typeface="Helvetica"/>
+                  <a:cs typeface="Helvetica"/>
+                </a:rPr>
+                <a:t>imposter</a:t>
+              </a:r>
+              <a:endParaRPr lang="en-US" dirty="0">
+                <a:latin typeface="Helvetica"/>
+                <a:cs typeface="Helvetica"/>
+              </a:endParaRPr>
+            </a:p>
+          </p:txBody>
+        </p:sp>
+      </p:grpSp>
+      <p:sp>
+        <p:nvSpPr>
+          <p:cNvPr id="22" name="Lightning Bolt 21"/>
+          <p:cNvSpPr/>
+          <p:nvPr/>
+        </p:nvSpPr>
+        <p:spPr>
+          <a:xfrm rot="18432592">
+            <a:off x="3514953" y="2880695"/>
+            <a:ext cx="822960" cy="822960"/>
+          </a:xfrm>
+          <a:prstGeom prst="lightningBolt">
+            <a:avLst/>
+          </a:prstGeom>
+          <a:noFill/>
+          <a:ln>
+            <a:solidFill>
+              <a:srgbClr val="FF0000"/>
+            </a:solidFill>
+          </a:ln>
+        </p:spPr>
+        <p:style>
+          <a:lnRef idx="1">
+            <a:schemeClr val="accent1"/>
+          </a:lnRef>
+          <a:fillRef idx="3">
+            <a:schemeClr val="accent1"/>
+          </a:fillRef>
+          <a:effectRef idx="2">
+            <a:schemeClr val="accent1"/>
+          </a:effectRef>
+          <a:fontRef idx="minor">
+            <a:schemeClr val="lt1"/>
+          </a:fontRef>
+        </p:style>
+        <p:txBody>
+          <a:bodyPr/>
+          <a:lstStyle/>
+          <a:p>
+            <a:endParaRPr lang="en-US"/>
+          </a:p>
+        </p:txBody>
+      </p:sp>
+      <p:sp>
+        <p:nvSpPr>
+          <p:cNvPr id="23" name="TextBox 22"/>
+          <p:cNvSpPr txBox="1"/>
+          <p:nvPr/>
+        </p:nvSpPr>
+        <p:spPr>
+          <a:xfrm>
+            <a:off x="3660901" y="2673066"/>
+            <a:ext cx="822060" cy="369332"/>
+          </a:xfrm>
+          <a:prstGeom prst="rect">
+            <a:avLst/>
+          </a:prstGeom>
+          <a:noFill/>
+        </p:spPr>
+        <p:txBody>
+          <a:bodyPr wrap="none" rtlCol="0">
+            <a:spAutoFit/>
+          </a:bodyPr>
+          <a:lstStyle/>
+          <a:p>
+            <a:r>
+              <a:rPr lang="en-US" b="1" i="1" dirty="0" smtClean="0"/>
+              <a:t>magic</a:t>
+            </a:r>
+            <a:endParaRPr lang="en-US" b="1" i="1" dirty="0"/>
+          </a:p>
+        </p:txBody>
+      </p:sp>
       <p:cxnSp>
         <p:nvCxnSpPr>
-          <p:cNvPr id="7" name="Straight Arrow Connector 6"/>
+          <p:cNvPr id="19" name="Straight Arrow Connector 18"/>
           <p:cNvCxnSpPr>
             <a:endCxn id="10" idx="0"/>
           </p:cNvCxnSpPr>
@@ -4326,47 +4550,6 @@
           <a:xfrm>
             <a:off x="2328796" y="1854981"/>
             <a:ext cx="0" cy="1078291"/>
-          </a:xfrm>
-          <a:prstGeom prst="straightConnector1">
-            <a:avLst/>
-          </a:prstGeom>
-          <a:ln>
-            <a:solidFill>
-              <a:schemeClr val="bg1">
-                <a:lumMod val="85000"/>
-              </a:schemeClr>
-            </a:solidFill>
-            <a:tailEnd type="arrow"/>
-          </a:ln>
-        </p:spPr>
-        <p:style>
-          <a:lnRef idx="2">
-            <a:schemeClr val="accent1"/>
-          </a:lnRef>
-          <a:fillRef idx="0">
-            <a:schemeClr val="accent1"/>
-          </a:fillRef>
-          <a:effectRef idx="1">
-            <a:schemeClr val="accent1"/>
-          </a:effectRef>
-          <a:fontRef idx="minor">
-            <a:schemeClr val="tx1"/>
-          </a:fontRef>
-        </p:style>
-      </p:cxnSp>
-      <p:cxnSp>
-        <p:nvCxnSpPr>
-          <p:cNvPr id="3" name="Straight Arrow Connector 2"/>
-          <p:cNvCxnSpPr>
-            <a:stCxn id="10" idx="3"/>
-            <a:endCxn id="13" idx="1"/>
-          </p:cNvCxnSpPr>
-          <p:nvPr/>
-        </p:nvCxnSpPr>
-        <p:spPr>
-          <a:xfrm>
-            <a:off x="3414881" y="3234388"/>
-            <a:ext cx="1138230" cy="0"/>
           </a:xfrm>
           <a:prstGeom prst="straightConnector1">
             <a:avLst/>
@@ -4395,10 +4578,52 @@
           </a:fontRef>
         </p:style>
       </p:cxnSp>
+      <p:sp>
+        <p:nvSpPr>
+          <p:cNvPr id="26" name="TextBox 25"/>
+          <p:cNvSpPr txBox="1"/>
+          <p:nvPr/>
+        </p:nvSpPr>
+        <p:spPr>
+          <a:xfrm>
+            <a:off x="2328796" y="2239346"/>
+            <a:ext cx="573632" cy="369332"/>
+          </a:xfrm>
+          <a:prstGeom prst="rect">
+            <a:avLst/>
+          </a:prstGeom>
+          <a:noFill/>
+        </p:spPr>
+        <p:txBody>
+          <a:bodyPr wrap="none" rtlCol="0">
+            <a:spAutoFit/>
+          </a:bodyPr>
+          <a:lstStyle/>
+          <a:p>
+            <a:r>
+              <a:rPr lang="en-US" dirty="0" smtClean="0">
+                <a:solidFill>
+                  <a:schemeClr val="bg1">
+                    <a:lumMod val="65000"/>
+                  </a:schemeClr>
+                </a:solidFill>
+              </a:rPr>
+              <a:t>http</a:t>
+            </a:r>
+            <a:endParaRPr lang="en-US" dirty="0">
+              <a:solidFill>
+                <a:schemeClr val="bg1">
+                  <a:lumMod val="65000"/>
+                </a:schemeClr>
+              </a:solidFill>
+            </a:endParaRPr>
+          </a:p>
+        </p:txBody>
+      </p:sp>
     </p:spTree>
     <p:extLst>
       <p:ext uri="{BB962C8B-B14F-4D97-AF65-F5344CB8AC3E}">
-        <p14:creationId xmlns:p14="http://schemas.microsoft.com/office/powerpoint/2010/main" val="2432028326"/>
+        <p14:creationId xmlns:p14="http://schemas.microsoft.com/office/powerpoint/2010/main" val="1982241141"/>
       </p:ext>
     </p:extLst>
   </p:cSld>
@@ -4715,10 +4940,276 @@
           </p:txBody>
         </p:sp>
       </p:grpSp>
+      <p:grpSp>
+        <p:nvGrpSpPr>
+          <p:cNvPr id="13" name="Group 12"/>
+          <p:cNvGrpSpPr/>
+          <p:nvPr/>
+        </p:nvGrpSpPr>
+        <p:grpSpPr>
+          <a:xfrm>
+            <a:off x="4553111" y="2944636"/>
+            <a:ext cx="2279194" cy="628730"/>
+            <a:chOff x="1242710" y="1226250"/>
+            <a:chExt cx="1076953" cy="979673"/>
+          </a:xfrm>
+        </p:grpSpPr>
+        <p:sp>
+          <p:nvSpPr>
+            <p:cNvPr id="14" name="Rectangle 13"/>
+            <p:cNvSpPr/>
+            <p:nvPr/>
+          </p:nvSpPr>
+          <p:spPr>
+            <a:xfrm>
+              <a:off x="1242710" y="1226250"/>
+              <a:ext cx="1063131" cy="979673"/>
+            </a:xfrm>
+            <a:prstGeom prst="rect">
+              <a:avLst/>
+            </a:prstGeom>
+            <a:noFill/>
+            <a:ln>
+              <a:solidFill>
+                <a:schemeClr val="bg1">
+                  <a:lumMod val="50000"/>
+                </a:schemeClr>
+              </a:solidFill>
+              <a:prstDash val="lgDashDotDot"/>
+            </a:ln>
+          </p:spPr>
+          <p:style>
+            <a:lnRef idx="1">
+              <a:schemeClr val="accent1"/>
+            </a:lnRef>
+            <a:fillRef idx="3">
+              <a:schemeClr val="accent1"/>
+            </a:fillRef>
+            <a:effectRef idx="2">
+              <a:schemeClr val="accent1"/>
+            </a:effectRef>
+            <a:fontRef idx="minor">
+              <a:schemeClr val="lt1"/>
+            </a:fontRef>
+          </p:style>
+          <p:txBody>
+            <a:bodyPr/>
+            <a:lstStyle/>
+            <a:p>
+              <a:endParaRPr lang="en-US"/>
+            </a:p>
+          </p:txBody>
+        </p:sp>
+        <p:sp>
+          <p:nvSpPr>
+            <p:cNvPr id="18" name="TextBox 17"/>
+            <p:cNvSpPr txBox="1"/>
+            <p:nvPr/>
+          </p:nvSpPr>
+          <p:spPr>
+            <a:xfrm>
+              <a:off x="1534340" y="1464266"/>
+              <a:ext cx="785323" cy="575485"/>
+            </a:xfrm>
+            <a:prstGeom prst="rect">
+              <a:avLst/>
+            </a:prstGeom>
+            <a:noFill/>
+            <a:ln>
+              <a:noFill/>
+              <a:prstDash val="lgDashDotDot"/>
+            </a:ln>
+          </p:spPr>
+          <p:txBody>
+            <a:bodyPr wrap="square" rtlCol="0">
+              <a:spAutoFit/>
+            </a:bodyPr>
+            <a:lstStyle/>
+            <a:p>
+              <a:r>
+                <a:rPr lang="en-US" dirty="0" smtClean="0">
+                  <a:solidFill>
+                    <a:schemeClr val="bg1">
+                      <a:lumMod val="50000"/>
+                    </a:schemeClr>
+                  </a:solidFill>
+                  <a:latin typeface="Helvetica"/>
+                  <a:cs typeface="Helvetica"/>
+                </a:rPr>
+                <a:t>imposter</a:t>
+              </a:r>
+              <a:endParaRPr lang="en-US" dirty="0">
+                <a:solidFill>
+                  <a:schemeClr val="bg1">
+                    <a:lumMod val="50000"/>
+                  </a:schemeClr>
+                </a:solidFill>
+                <a:latin typeface="Helvetica"/>
+                <a:cs typeface="Helvetica"/>
+              </a:endParaRPr>
+            </a:p>
+          </p:txBody>
+        </p:sp>
+      </p:grpSp>
+      <p:sp>
+        <p:nvSpPr>
+          <p:cNvPr id="22" name="Lightning Bolt 21"/>
+          <p:cNvSpPr/>
+          <p:nvPr/>
+        </p:nvSpPr>
+        <p:spPr>
+          <a:xfrm rot="18432592">
+            <a:off x="3514953" y="2880695"/>
+            <a:ext cx="822960" cy="822960"/>
+          </a:xfrm>
+          <a:prstGeom prst="lightningBolt">
+            <a:avLst/>
+          </a:prstGeom>
+          <a:noFill/>
+          <a:ln>
+            <a:solidFill>
+              <a:srgbClr val="FF0000"/>
+            </a:solidFill>
+          </a:ln>
+        </p:spPr>
+        <p:style>
+          <a:lnRef idx="1">
+            <a:schemeClr val="accent1"/>
+          </a:lnRef>
+          <a:fillRef idx="3">
+            <a:schemeClr val="accent1"/>
+          </a:fillRef>
+          <a:effectRef idx="2">
+            <a:schemeClr val="accent1"/>
+          </a:effectRef>
+          <a:fontRef idx="minor">
+            <a:schemeClr val="lt1"/>
+          </a:fontRef>
+        </p:style>
+        <p:txBody>
+          <a:bodyPr/>
+          <a:lstStyle/>
+          <a:p>
+            <a:endParaRPr lang="en-US"/>
+          </a:p>
+        </p:txBody>
+      </p:sp>
+      <p:sp>
+        <p:nvSpPr>
+          <p:cNvPr id="23" name="TextBox 22"/>
+          <p:cNvSpPr txBox="1"/>
+          <p:nvPr/>
+        </p:nvSpPr>
+        <p:spPr>
+          <a:xfrm>
+            <a:off x="3660901" y="2673066"/>
+            <a:ext cx="822060" cy="369332"/>
+          </a:xfrm>
+          <a:prstGeom prst="rect">
+            <a:avLst/>
+          </a:prstGeom>
+          <a:noFill/>
+        </p:spPr>
+        <p:txBody>
+          <a:bodyPr wrap="none" rtlCol="0">
+            <a:spAutoFit/>
+          </a:bodyPr>
+          <a:lstStyle/>
+          <a:p>
+            <a:r>
+              <a:rPr lang="en-US" b="1" i="1" dirty="0" smtClean="0"/>
+              <a:t>magic</a:t>
+            </a:r>
+            <a:endParaRPr lang="en-US" b="1" i="1" dirty="0"/>
+          </a:p>
+        </p:txBody>
+      </p:sp>
+      <p:cxnSp>
+        <p:nvCxnSpPr>
+          <p:cNvPr id="19" name="Straight Arrow Connector 18"/>
+          <p:cNvCxnSpPr>
+            <a:endCxn id="10" idx="0"/>
+          </p:cNvCxnSpPr>
+          <p:nvPr/>
+        </p:nvCxnSpPr>
+        <p:spPr>
+          <a:xfrm>
+            <a:off x="2328796" y="1854981"/>
+            <a:ext cx="0" cy="1078291"/>
+          </a:xfrm>
+          <a:prstGeom prst="straightConnector1">
+            <a:avLst/>
+          </a:prstGeom>
+          <a:ln>
+            <a:solidFill>
+              <a:schemeClr val="bg1">
+                <a:lumMod val="95000"/>
+              </a:schemeClr>
+            </a:solidFill>
+            <a:tailEnd type="arrow"/>
+          </a:ln>
+        </p:spPr>
+        <p:style>
+          <a:lnRef idx="2">
+            <a:schemeClr val="accent1"/>
+          </a:lnRef>
+          <a:fillRef idx="0">
+            <a:schemeClr val="accent1"/>
+          </a:fillRef>
+          <a:effectRef idx="1">
+            <a:schemeClr val="accent1"/>
+          </a:effectRef>
+          <a:fontRef idx="minor">
+            <a:schemeClr val="tx1"/>
+          </a:fontRef>
+        </p:style>
+      </p:cxnSp>
+      <p:sp>
+        <p:nvSpPr>
+          <p:cNvPr id="26" name="TextBox 25"/>
+          <p:cNvSpPr txBox="1"/>
+          <p:nvPr/>
+        </p:nvSpPr>
+        <p:spPr>
+          <a:xfrm>
+            <a:off x="2328796" y="2239346"/>
+            <a:ext cx="573632" cy="369332"/>
+          </a:xfrm>
+          <a:prstGeom prst="rect">
+            <a:avLst/>
+          </a:prstGeom>
+          <a:noFill/>
+        </p:spPr>
+        <p:txBody>
+          <a:bodyPr wrap="none" rtlCol="0">
+            <a:spAutoFit/>
+          </a:bodyPr>
+          <a:lstStyle/>
+          <a:p>
+            <a:r>
+              <a:rPr lang="en-US" dirty="0" smtClean="0">
+                <a:solidFill>
+                  <a:schemeClr val="bg1">
+                    <a:lumMod val="95000"/>
+                  </a:schemeClr>
+                </a:solidFill>
+              </a:rPr>
+              <a:t>http</a:t>
+            </a:r>
+            <a:endParaRPr lang="en-US" dirty="0">
+              <a:solidFill>
+                <a:schemeClr val="bg1">
+                  <a:lumMod val="95000"/>
+                </a:schemeClr>
+              </a:solidFill>
+            </a:endParaRPr>
+          </a:p>
+        </p:txBody>
+      </p:sp>
     </p:spTree>
     <p:extLst>
       <p:ext uri="{BB962C8B-B14F-4D97-AF65-F5344CB8AC3E}">
-        <p14:creationId xmlns:p14="http://schemas.microsoft.com/office/powerpoint/2010/main" val="2153258048"/>
+        <p14:creationId xmlns:p14="http://schemas.microsoft.com/office/powerpoint/2010/main" val="2429692250"/>
       </p:ext>
     </p:extLst>
   </p:cSld>
@@ -4728,7 +5219,7 @@
 </p:sld>
 </file>
 
-<file path=ppt/slides/slide2.xml><?xml version="1.0" encoding="utf-8"?>
+<file path=ppt/slides/slide13.xml><?xml version="1.0" encoding="utf-8"?>
 <p:sld xmlns:a="http://schemas.openxmlformats.org/drawingml/2006/main" xmlns:r="http://schemas.openxmlformats.org/officeDocument/2006/relationships" xmlns:p="http://schemas.openxmlformats.org/presentationml/2006/main">
   <p:cSld>
     <p:bg>
@@ -5035,9 +5526,193 @@
           </p:txBody>
         </p:sp>
       </p:grpSp>
+      <p:grpSp>
+        <p:nvGrpSpPr>
+          <p:cNvPr id="13" name="Group 12"/>
+          <p:cNvGrpSpPr/>
+          <p:nvPr/>
+        </p:nvGrpSpPr>
+        <p:grpSpPr>
+          <a:xfrm>
+            <a:off x="4553111" y="2944636"/>
+            <a:ext cx="2279194" cy="628730"/>
+            <a:chOff x="1242710" y="1226250"/>
+            <a:chExt cx="1076953" cy="979673"/>
+          </a:xfrm>
+        </p:grpSpPr>
+        <p:sp>
+          <p:nvSpPr>
+            <p:cNvPr id="14" name="Rectangle 13"/>
+            <p:cNvSpPr/>
+            <p:nvPr/>
+          </p:nvSpPr>
+          <p:spPr>
+            <a:xfrm>
+              <a:off x="1242710" y="1226250"/>
+              <a:ext cx="1063131" cy="979673"/>
+            </a:xfrm>
+            <a:prstGeom prst="rect">
+              <a:avLst/>
+            </a:prstGeom>
+            <a:noFill/>
+            <a:ln>
+              <a:solidFill>
+                <a:schemeClr val="bg1">
+                  <a:lumMod val="65000"/>
+                </a:schemeClr>
+              </a:solidFill>
+              <a:prstDash val="lgDashDot"/>
+            </a:ln>
+          </p:spPr>
+          <p:style>
+            <a:lnRef idx="1">
+              <a:schemeClr val="accent1"/>
+            </a:lnRef>
+            <a:fillRef idx="3">
+              <a:schemeClr val="accent1"/>
+            </a:fillRef>
+            <a:effectRef idx="2">
+              <a:schemeClr val="accent1"/>
+            </a:effectRef>
+            <a:fontRef idx="minor">
+              <a:schemeClr val="lt1"/>
+            </a:fontRef>
+          </p:style>
+          <p:txBody>
+            <a:bodyPr/>
+            <a:lstStyle/>
+            <a:p>
+              <a:endParaRPr lang="en-US"/>
+            </a:p>
+          </p:txBody>
+        </p:sp>
+        <p:sp>
+          <p:nvSpPr>
+            <p:cNvPr id="18" name="TextBox 17"/>
+            <p:cNvSpPr txBox="1"/>
+            <p:nvPr/>
+          </p:nvSpPr>
+          <p:spPr>
+            <a:xfrm>
+              <a:off x="1534340" y="1464266"/>
+              <a:ext cx="785323" cy="575485"/>
+            </a:xfrm>
+            <a:prstGeom prst="rect">
+              <a:avLst/>
+            </a:prstGeom>
+            <a:noFill/>
+            <a:ln>
+              <a:noFill/>
+              <a:prstDash val="lgDashDot"/>
+            </a:ln>
+          </p:spPr>
+          <p:txBody>
+            <a:bodyPr wrap="square" rtlCol="0">
+              <a:spAutoFit/>
+            </a:bodyPr>
+            <a:lstStyle/>
+            <a:p>
+              <a:r>
+                <a:rPr lang="en-US" dirty="0" smtClean="0">
+                  <a:solidFill>
+                    <a:schemeClr val="bg1">
+                      <a:lumMod val="65000"/>
+                    </a:schemeClr>
+                  </a:solidFill>
+                  <a:latin typeface="Helvetica"/>
+                  <a:cs typeface="Helvetica"/>
+                </a:rPr>
+                <a:t>imposter</a:t>
+              </a:r>
+              <a:endParaRPr lang="en-US" dirty="0">
+                <a:solidFill>
+                  <a:schemeClr val="bg1">
+                    <a:lumMod val="65000"/>
+                  </a:schemeClr>
+                </a:solidFill>
+                <a:latin typeface="Helvetica"/>
+                <a:cs typeface="Helvetica"/>
+              </a:endParaRPr>
+            </a:p>
+          </p:txBody>
+        </p:sp>
+      </p:grpSp>
+      <p:sp>
+        <p:nvSpPr>
+          <p:cNvPr id="22" name="Lightning Bolt 21"/>
+          <p:cNvSpPr/>
+          <p:nvPr/>
+        </p:nvSpPr>
+        <p:spPr>
+          <a:xfrm rot="18432592">
+            <a:off x="3514953" y="2880695"/>
+            <a:ext cx="822960" cy="822960"/>
+          </a:xfrm>
+          <a:prstGeom prst="lightningBolt">
+            <a:avLst/>
+          </a:prstGeom>
+          <a:noFill/>
+          <a:ln>
+            <a:solidFill>
+              <a:srgbClr val="FF0000"/>
+            </a:solidFill>
+          </a:ln>
+        </p:spPr>
+        <p:style>
+          <a:lnRef idx="1">
+            <a:schemeClr val="accent1"/>
+          </a:lnRef>
+          <a:fillRef idx="3">
+            <a:schemeClr val="accent1"/>
+          </a:fillRef>
+          <a:effectRef idx="2">
+            <a:schemeClr val="accent1"/>
+          </a:effectRef>
+          <a:fontRef idx="minor">
+            <a:schemeClr val="lt1"/>
+          </a:fontRef>
+        </p:style>
+        <p:txBody>
+          <a:bodyPr/>
+          <a:lstStyle/>
+          <a:p>
+            <a:endParaRPr lang="en-US"/>
+          </a:p>
+        </p:txBody>
+      </p:sp>
+      <p:sp>
+        <p:nvSpPr>
+          <p:cNvPr id="23" name="TextBox 22"/>
+          <p:cNvSpPr txBox="1"/>
+          <p:nvPr/>
+        </p:nvSpPr>
+        <p:spPr>
+          <a:xfrm>
+            <a:off x="3660901" y="2673066"/>
+            <a:ext cx="822060" cy="369332"/>
+          </a:xfrm>
+          <a:prstGeom prst="rect">
+            <a:avLst/>
+          </a:prstGeom>
+          <a:noFill/>
+        </p:spPr>
+        <p:txBody>
+          <a:bodyPr wrap="none" rtlCol="0">
+            <a:spAutoFit/>
+          </a:bodyPr>
+          <a:lstStyle/>
+          <a:p>
+            <a:r>
+              <a:rPr lang="en-US" b="1" i="1" dirty="0" smtClean="0"/>
+              <a:t>magic</a:t>
+            </a:r>
+            <a:endParaRPr lang="en-US" b="1" i="1" dirty="0"/>
+          </a:p>
+        </p:txBody>
+      </p:sp>
       <p:cxnSp>
         <p:nvCxnSpPr>
-          <p:cNvPr id="3" name="Straight Arrow Connector 2"/>
+          <p:cNvPr id="19" name="Straight Arrow Connector 18"/>
           <p:cNvCxnSpPr>
             <a:endCxn id="10" idx="0"/>
           </p:cNvCxnSpPr>
@@ -5053,7 +5728,9 @@
           </a:prstGeom>
           <a:ln>
             <a:solidFill>
-              <a:schemeClr val="tx1"/>
+              <a:schemeClr val="bg1">
+                <a:lumMod val="95000"/>
+              </a:schemeClr>
             </a:solidFill>
             <a:tailEnd type="arrow"/>
           </a:ln>
@@ -5075,13 +5752,13 @@
       </p:cxnSp>
       <p:sp>
         <p:nvSpPr>
-          <p:cNvPr id="7" name="TextBox 6"/>
+          <p:cNvPr id="26" name="TextBox 25"/>
           <p:cNvSpPr txBox="1"/>
           <p:nvPr/>
         </p:nvSpPr>
         <p:spPr>
           <a:xfrm>
-            <a:off x="2328796" y="2154950"/>
+            <a:off x="2328796" y="2239346"/>
             <a:ext cx="573632" cy="369332"/>
           </a:xfrm>
           <a:prstGeom prst="rect">
@@ -5096,17 +5773,29 @@
           <a:lstStyle/>
           <a:p>
             <a:r>
-              <a:rPr lang="en-US" dirty="0" smtClean="0"/>
+              <a:rPr lang="en-US" dirty="0" smtClean="0">
+                <a:solidFill>
+                  <a:schemeClr val="bg1">
+                    <a:lumMod val="95000"/>
+                  </a:schemeClr>
+                </a:solidFill>
+              </a:rPr>
               <a:t>http</a:t>
             </a:r>
-            <a:endParaRPr lang="en-US" dirty="0"/>
+            <a:endParaRPr lang="en-US" dirty="0">
+              <a:solidFill>
+                <a:schemeClr val="bg1">
+                  <a:lumMod val="95000"/>
+                </a:schemeClr>
+              </a:solidFill>
+            </a:endParaRPr>
           </a:p>
         </p:txBody>
       </p:sp>
     </p:spTree>
     <p:extLst>
       <p:ext uri="{BB962C8B-B14F-4D97-AF65-F5344CB8AC3E}">
-        <p14:creationId xmlns:p14="http://schemas.microsoft.com/office/powerpoint/2010/main" val="2864951833"/>
+        <p14:creationId xmlns:p14="http://schemas.microsoft.com/office/powerpoint/2010/main" val="1146927083"/>
       </p:ext>
     </p:extLst>
   </p:cSld>
@@ -5116,7 +5805,7 @@
 </p:sld>
 </file>
 
-<file path=ppt/slides/slide3.xml><?xml version="1.0" encoding="utf-8"?>
+<file path=ppt/slides/slide14.xml><?xml version="1.0" encoding="utf-8"?>
 <p:sld xmlns:a="http://schemas.openxmlformats.org/drawingml/2006/main" xmlns:r="http://schemas.openxmlformats.org/officeDocument/2006/relationships" xmlns:p="http://schemas.openxmlformats.org/presentationml/2006/main">
   <p:cSld>
     <p:bg>
@@ -5423,55 +6112,15 @@
           </p:txBody>
         </p:sp>
       </p:grpSp>
-      <p:cxnSp>
-        <p:nvCxnSpPr>
-          <p:cNvPr id="3" name="Straight Arrow Connector 2"/>
-          <p:cNvCxnSpPr>
-            <a:endCxn id="10" idx="0"/>
-          </p:cNvCxnSpPr>
-          <p:nvPr/>
-        </p:nvCxnSpPr>
-        <p:spPr>
-          <a:xfrm>
-            <a:off x="2328796" y="1854981"/>
-            <a:ext cx="0" cy="1078291"/>
-          </a:xfrm>
-          <a:prstGeom prst="straightConnector1">
-            <a:avLst/>
-          </a:prstGeom>
-          <a:ln>
-            <a:solidFill>
-              <a:schemeClr val="bg1">
-                <a:lumMod val="65000"/>
-              </a:schemeClr>
-            </a:solidFill>
-            <a:tailEnd type="arrow"/>
-          </a:ln>
-        </p:spPr>
-        <p:style>
-          <a:lnRef idx="2">
-            <a:schemeClr val="accent1"/>
-          </a:lnRef>
-          <a:fillRef idx="0">
-            <a:schemeClr val="accent1"/>
-          </a:fillRef>
-          <a:effectRef idx="1">
-            <a:schemeClr val="accent1"/>
-          </a:effectRef>
-          <a:fontRef idx="minor">
-            <a:schemeClr val="tx1"/>
-          </a:fontRef>
-        </p:style>
-      </p:cxnSp>
       <p:sp>
         <p:nvSpPr>
-          <p:cNvPr id="7" name="TextBox 6"/>
+          <p:cNvPr id="26" name="TextBox 25"/>
           <p:cNvSpPr txBox="1"/>
           <p:nvPr/>
         </p:nvSpPr>
         <p:spPr>
           <a:xfrm>
-            <a:off x="2328796" y="2154950"/>
+            <a:off x="2328796" y="2239346"/>
             <a:ext cx="573632" cy="369332"/>
           </a:xfrm>
           <a:prstGeom prst="rect">
@@ -5488,190 +6137,27 @@
             <a:r>
               <a:rPr lang="en-US" dirty="0" smtClean="0">
                 <a:solidFill>
-                  <a:srgbClr val="A6A6A6"/>
+                  <a:schemeClr val="bg1">
+                    <a:lumMod val="95000"/>
+                  </a:schemeClr>
                 </a:solidFill>
               </a:rPr>
               <a:t>http</a:t>
             </a:r>
             <a:endParaRPr lang="en-US" dirty="0">
               <a:solidFill>
-                <a:srgbClr val="A6A6A6"/>
+                <a:schemeClr val="bg1">
+                  <a:lumMod val="95000"/>
+                </a:schemeClr>
               </a:solidFill>
             </a:endParaRPr>
-          </a:p>
-        </p:txBody>
-      </p:sp>
-      <p:grpSp>
-        <p:nvGrpSpPr>
-          <p:cNvPr id="13" name="Group 12"/>
-          <p:cNvGrpSpPr/>
-          <p:nvPr/>
-        </p:nvGrpSpPr>
-        <p:grpSpPr>
-          <a:xfrm>
-            <a:off x="4553111" y="2944636"/>
-            <a:ext cx="2279194" cy="628730"/>
-            <a:chOff x="1242710" y="1226250"/>
-            <a:chExt cx="1076953" cy="979673"/>
-          </a:xfrm>
-        </p:grpSpPr>
-        <p:sp>
-          <p:nvSpPr>
-            <p:cNvPr id="14" name="Rectangle 13"/>
-            <p:cNvSpPr/>
-            <p:nvPr/>
-          </p:nvSpPr>
-          <p:spPr>
-            <a:xfrm>
-              <a:off x="1242710" y="1226250"/>
-              <a:ext cx="1063131" cy="979673"/>
-            </a:xfrm>
-            <a:prstGeom prst="rect">
-              <a:avLst/>
-            </a:prstGeom>
-            <a:noFill/>
-            <a:ln>
-              <a:solidFill>
-                <a:schemeClr val="tx1"/>
-              </a:solidFill>
-            </a:ln>
-          </p:spPr>
-          <p:style>
-            <a:lnRef idx="1">
-              <a:schemeClr val="accent1"/>
-            </a:lnRef>
-            <a:fillRef idx="3">
-              <a:schemeClr val="accent1"/>
-            </a:fillRef>
-            <a:effectRef idx="2">
-              <a:schemeClr val="accent1"/>
-            </a:effectRef>
-            <a:fontRef idx="minor">
-              <a:schemeClr val="lt1"/>
-            </a:fontRef>
-          </p:style>
-          <p:txBody>
-            <a:bodyPr/>
-            <a:lstStyle/>
-            <a:p>
-              <a:endParaRPr lang="en-US"/>
-            </a:p>
-          </p:txBody>
-        </p:sp>
-        <p:sp>
-          <p:nvSpPr>
-            <p:cNvPr id="18" name="TextBox 17"/>
-            <p:cNvSpPr txBox="1"/>
-            <p:nvPr/>
-          </p:nvSpPr>
-          <p:spPr>
-            <a:xfrm>
-              <a:off x="1534340" y="1464266"/>
-              <a:ext cx="785323" cy="575485"/>
-            </a:xfrm>
-            <a:prstGeom prst="rect">
-              <a:avLst/>
-            </a:prstGeom>
-            <a:noFill/>
-          </p:spPr>
-          <p:txBody>
-            <a:bodyPr wrap="square" rtlCol="0">
-              <a:spAutoFit/>
-            </a:bodyPr>
-            <a:lstStyle/>
-            <a:p>
-              <a:r>
-                <a:rPr lang="en-US" dirty="0" smtClean="0">
-                  <a:latin typeface="Helvetica"/>
-                  <a:cs typeface="Helvetica"/>
-                </a:rPr>
-                <a:t>imposter</a:t>
-              </a:r>
-              <a:endParaRPr lang="en-US" dirty="0">
-                <a:latin typeface="Helvetica"/>
-                <a:cs typeface="Helvetica"/>
-              </a:endParaRPr>
-            </a:p>
-          </p:txBody>
-        </p:sp>
-      </p:grpSp>
-      <p:sp>
-        <p:nvSpPr>
-          <p:cNvPr id="22" name="Lightning Bolt 21"/>
-          <p:cNvSpPr/>
-          <p:nvPr/>
-        </p:nvSpPr>
-        <p:spPr>
-          <a:xfrm rot="18432592">
-            <a:off x="3514953" y="2880695"/>
-            <a:ext cx="822960" cy="822960"/>
-          </a:xfrm>
-          <a:prstGeom prst="lightningBolt">
-            <a:avLst/>
-          </a:prstGeom>
-          <a:noFill/>
-          <a:ln>
-            <a:solidFill>
-              <a:srgbClr val="FF0000"/>
-            </a:solidFill>
-          </a:ln>
-        </p:spPr>
-        <p:style>
-          <a:lnRef idx="1">
-            <a:schemeClr val="accent1"/>
-          </a:lnRef>
-          <a:fillRef idx="3">
-            <a:schemeClr val="accent1"/>
-          </a:fillRef>
-          <a:effectRef idx="2">
-            <a:schemeClr val="accent1"/>
-          </a:effectRef>
-          <a:fontRef idx="minor">
-            <a:schemeClr val="lt1"/>
-          </a:fontRef>
-        </p:style>
-        <p:txBody>
-          <a:bodyPr/>
-          <a:lstStyle/>
-          <a:p>
-            <a:endParaRPr lang="en-US"/>
-          </a:p>
-        </p:txBody>
-      </p:sp>
-      <p:sp>
-        <p:nvSpPr>
-          <p:cNvPr id="23" name="TextBox 22"/>
-          <p:cNvSpPr txBox="1"/>
-          <p:nvPr/>
-        </p:nvSpPr>
-        <p:spPr>
-          <a:xfrm>
-            <a:off x="3660901" y="2673066"/>
-            <a:ext cx="738867" cy="369332"/>
-          </a:xfrm>
-          <a:prstGeom prst="rect">
-            <a:avLst/>
-          </a:prstGeom>
-          <a:noFill/>
-        </p:spPr>
-        <p:txBody>
-          <a:bodyPr wrap="none" rtlCol="0">
-            <a:spAutoFit/>
-          </a:bodyPr>
-          <a:lstStyle/>
-          <a:p>
-            <a:r>
-              <a:rPr lang="en-US" dirty="0" smtClean="0"/>
-              <a:t>magic</a:t>
-            </a:r>
-            <a:endParaRPr lang="en-US" dirty="0"/>
           </a:p>
         </p:txBody>
       </p:sp>
     </p:spTree>
     <p:extLst>
       <p:ext uri="{BB962C8B-B14F-4D97-AF65-F5344CB8AC3E}">
-        <p14:creationId xmlns:p14="http://schemas.microsoft.com/office/powerpoint/2010/main" val="1618051007"/>
+        <p14:creationId xmlns:p14="http://schemas.microsoft.com/office/powerpoint/2010/main" val="341183380"/>
       </p:ext>
     </p:extLst>
   </p:cSld>
@@ -5681,7 +6167,7 @@
 </p:sld>
 </file>
 
-<file path=ppt/slides/slide4.xml><?xml version="1.0" encoding="utf-8"?>
+<file path=ppt/slides/slide2.xml><?xml version="1.0" encoding="utf-8"?>
 <p:sld xmlns:a="http://schemas.openxmlformats.org/drawingml/2006/main" xmlns:r="http://schemas.openxmlformats.org/officeDocument/2006/relationships" xmlns:p="http://schemas.openxmlformats.org/presentationml/2006/main">
   <p:cSld>
     <p:bg>
@@ -5896,100 +6382,6 @@
       </p:grpSp>
       <p:grpSp>
         <p:nvGrpSpPr>
-          <p:cNvPr id="12" name="Group 11"/>
-          <p:cNvGrpSpPr/>
-          <p:nvPr/>
-        </p:nvGrpSpPr>
-        <p:grpSpPr>
-          <a:xfrm>
-            <a:off x="4553111" y="2933272"/>
-            <a:ext cx="2172171" cy="602232"/>
-            <a:chOff x="1242710" y="1226250"/>
-            <a:chExt cx="1063131" cy="979673"/>
-          </a:xfrm>
-        </p:grpSpPr>
-        <p:sp>
-          <p:nvSpPr>
-            <p:cNvPr id="13" name="Rectangle 12"/>
-            <p:cNvSpPr/>
-            <p:nvPr/>
-          </p:nvSpPr>
-          <p:spPr>
-            <a:xfrm>
-              <a:off x="1242710" y="1226250"/>
-              <a:ext cx="1063131" cy="979673"/>
-            </a:xfrm>
-            <a:prstGeom prst="rect">
-              <a:avLst/>
-            </a:prstGeom>
-            <a:noFill/>
-            <a:ln>
-              <a:solidFill>
-                <a:schemeClr val="tx1"/>
-              </a:solidFill>
-            </a:ln>
-          </p:spPr>
-          <p:style>
-            <a:lnRef idx="1">
-              <a:schemeClr val="accent1"/>
-            </a:lnRef>
-            <a:fillRef idx="3">
-              <a:schemeClr val="accent1"/>
-            </a:fillRef>
-            <a:effectRef idx="2">
-              <a:schemeClr val="accent1"/>
-            </a:effectRef>
-            <a:fontRef idx="minor">
-              <a:schemeClr val="lt1"/>
-            </a:fontRef>
-          </p:style>
-          <p:txBody>
-            <a:bodyPr/>
-            <a:lstStyle/>
-            <a:p>
-              <a:endParaRPr lang="en-US"/>
-            </a:p>
-          </p:txBody>
-        </p:sp>
-        <p:sp>
-          <p:nvSpPr>
-            <p:cNvPr id="14" name="TextBox 13"/>
-            <p:cNvSpPr txBox="1"/>
-            <p:nvPr/>
-          </p:nvSpPr>
-          <p:spPr>
-            <a:xfrm>
-              <a:off x="1520518" y="1403769"/>
-              <a:ext cx="785323" cy="600806"/>
-            </a:xfrm>
-            <a:prstGeom prst="rect">
-              <a:avLst/>
-            </a:prstGeom>
-            <a:noFill/>
-          </p:spPr>
-          <p:txBody>
-            <a:bodyPr wrap="square" rtlCol="0">
-              <a:spAutoFit/>
-            </a:bodyPr>
-            <a:lstStyle/>
-            <a:p>
-              <a:r>
-                <a:rPr lang="en-US" dirty="0" smtClean="0">
-                  <a:latin typeface="Helvetica"/>
-                  <a:cs typeface="Helvetica"/>
-                </a:rPr>
-                <a:t>imposter</a:t>
-              </a:r>
-              <a:endParaRPr lang="en-US" dirty="0">
-                <a:latin typeface="Helvetica"/>
-                <a:cs typeface="Helvetica"/>
-              </a:endParaRPr>
-            </a:p>
-          </p:txBody>
-        </p:sp>
-      </p:grpSp>
-      <p:grpSp>
-        <p:nvGrpSpPr>
           <p:cNvPr id="15" name="Group 14"/>
           <p:cNvGrpSpPr/>
           <p:nvPr/>
@@ -6084,16 +6476,16 @@
       </p:grpSp>
       <p:cxnSp>
         <p:nvCxnSpPr>
-          <p:cNvPr id="6" name="Straight Arrow Connector 5"/>
+          <p:cNvPr id="3" name="Straight Arrow Connector 2"/>
           <p:cNvCxnSpPr>
-            <a:endCxn id="16" idx="1"/>
+            <a:endCxn id="10" idx="0"/>
           </p:cNvCxnSpPr>
           <p:nvPr/>
         </p:nvCxnSpPr>
         <p:spPr>
-          <a:xfrm flipV="1">
-            <a:off x="3492652" y="1540616"/>
-            <a:ext cx="1060459" cy="13558"/>
+          <a:xfrm>
+            <a:off x="2328796" y="1854981"/>
+            <a:ext cx="0" cy="1078291"/>
           </a:xfrm>
           <a:prstGeom prst="straightConnector1">
             <a:avLst/>
@@ -6120,10 +6512,40 @@
           </a:fontRef>
         </p:style>
       </p:cxnSp>
+      <p:sp>
+        <p:nvSpPr>
+          <p:cNvPr id="7" name="TextBox 6"/>
+          <p:cNvSpPr txBox="1"/>
+          <p:nvPr/>
+        </p:nvSpPr>
+        <p:spPr>
+          <a:xfrm>
+            <a:off x="2328796" y="2154950"/>
+            <a:ext cx="573632" cy="369332"/>
+          </a:xfrm>
+          <a:prstGeom prst="rect">
+            <a:avLst/>
+          </a:prstGeom>
+          <a:noFill/>
+        </p:spPr>
+        <p:txBody>
+          <a:bodyPr wrap="none" rtlCol="0">
+            <a:spAutoFit/>
+          </a:bodyPr>
+          <a:lstStyle/>
+          <a:p>
+            <a:r>
+              <a:rPr lang="en-US" dirty="0" smtClean="0"/>
+              <a:t>http</a:t>
+            </a:r>
+            <a:endParaRPr lang="en-US" dirty="0"/>
+          </a:p>
+        </p:txBody>
+      </p:sp>
     </p:spTree>
     <p:extLst>
       <p:ext uri="{BB962C8B-B14F-4D97-AF65-F5344CB8AC3E}">
-        <p14:creationId xmlns:p14="http://schemas.microsoft.com/office/powerpoint/2010/main" val="1717195789"/>
+        <p14:creationId xmlns:p14="http://schemas.microsoft.com/office/powerpoint/2010/main" val="2864951833"/>
       </p:ext>
     </p:extLst>
   </p:cSld>
@@ -6133,7 +6555,7 @@
 </p:sld>
 </file>
 
-<file path=ppt/slides/slide5.xml><?xml version="1.0" encoding="utf-8"?>
+<file path=ppt/slides/slide3.xml><?xml version="1.0" encoding="utf-8"?>
 <p:sld xmlns:a="http://schemas.openxmlformats.org/drawingml/2006/main" xmlns:r="http://schemas.openxmlformats.org/officeDocument/2006/relationships" xmlns:p="http://schemas.openxmlformats.org/presentationml/2006/main">
   <p:cSld>
     <p:bg>
@@ -6348,100 +6770,6 @@
       </p:grpSp>
       <p:grpSp>
         <p:nvGrpSpPr>
-          <p:cNvPr id="12" name="Group 11"/>
-          <p:cNvGrpSpPr/>
-          <p:nvPr/>
-        </p:nvGrpSpPr>
-        <p:grpSpPr>
-          <a:xfrm>
-            <a:off x="4553111" y="2933272"/>
-            <a:ext cx="2172171" cy="602232"/>
-            <a:chOff x="1242710" y="1226250"/>
-            <a:chExt cx="1063131" cy="979673"/>
-          </a:xfrm>
-        </p:grpSpPr>
-        <p:sp>
-          <p:nvSpPr>
-            <p:cNvPr id="13" name="Rectangle 12"/>
-            <p:cNvSpPr/>
-            <p:nvPr/>
-          </p:nvSpPr>
-          <p:spPr>
-            <a:xfrm>
-              <a:off x="1242710" y="1226250"/>
-              <a:ext cx="1063131" cy="979673"/>
-            </a:xfrm>
-            <a:prstGeom prst="rect">
-              <a:avLst/>
-            </a:prstGeom>
-            <a:noFill/>
-            <a:ln>
-              <a:solidFill>
-                <a:schemeClr val="tx1"/>
-              </a:solidFill>
-            </a:ln>
-          </p:spPr>
-          <p:style>
-            <a:lnRef idx="1">
-              <a:schemeClr val="accent1"/>
-            </a:lnRef>
-            <a:fillRef idx="3">
-              <a:schemeClr val="accent1"/>
-            </a:fillRef>
-            <a:effectRef idx="2">
-              <a:schemeClr val="accent1"/>
-            </a:effectRef>
-            <a:fontRef idx="minor">
-              <a:schemeClr val="lt1"/>
-            </a:fontRef>
-          </p:style>
-          <p:txBody>
-            <a:bodyPr/>
-            <a:lstStyle/>
-            <a:p>
-              <a:endParaRPr lang="en-US"/>
-            </a:p>
-          </p:txBody>
-        </p:sp>
-        <p:sp>
-          <p:nvSpPr>
-            <p:cNvPr id="14" name="TextBox 13"/>
-            <p:cNvSpPr txBox="1"/>
-            <p:nvPr/>
-          </p:nvSpPr>
-          <p:spPr>
-            <a:xfrm>
-              <a:off x="1520518" y="1403769"/>
-              <a:ext cx="785323" cy="600806"/>
-            </a:xfrm>
-            <a:prstGeom prst="rect">
-              <a:avLst/>
-            </a:prstGeom>
-            <a:noFill/>
-          </p:spPr>
-          <p:txBody>
-            <a:bodyPr wrap="square" rtlCol="0">
-              <a:spAutoFit/>
-            </a:bodyPr>
-            <a:lstStyle/>
-            <a:p>
-              <a:r>
-                <a:rPr lang="en-US" dirty="0" smtClean="0">
-                  <a:latin typeface="Helvetica"/>
-                  <a:cs typeface="Helvetica"/>
-                </a:rPr>
-                <a:t>imposter</a:t>
-              </a:r>
-              <a:endParaRPr lang="en-US" dirty="0">
-                <a:latin typeface="Helvetica"/>
-                <a:cs typeface="Helvetica"/>
-              </a:endParaRPr>
-            </a:p>
-          </p:txBody>
-        </p:sp>
-      </p:grpSp>
-      <p:grpSp>
-        <p:nvGrpSpPr>
           <p:cNvPr id="15" name="Group 14"/>
           <p:cNvGrpSpPr/>
           <p:nvPr/>
@@ -6536,16 +6864,16 @@
       </p:grpSp>
       <p:cxnSp>
         <p:nvCxnSpPr>
-          <p:cNvPr id="6" name="Straight Arrow Connector 5"/>
+          <p:cNvPr id="3" name="Straight Arrow Connector 2"/>
           <p:cNvCxnSpPr>
-            <a:endCxn id="16" idx="1"/>
+            <a:endCxn id="10" idx="0"/>
           </p:cNvCxnSpPr>
           <p:nvPr/>
         </p:nvCxnSpPr>
         <p:spPr>
-          <a:xfrm flipV="1">
-            <a:off x="3492652" y="1540616"/>
-            <a:ext cx="1060459" cy="13558"/>
+          <a:xfrm>
+            <a:off x="2328796" y="1854981"/>
+            <a:ext cx="0" cy="1078291"/>
           </a:xfrm>
           <a:prstGeom prst="straightConnector1">
             <a:avLst/>
@@ -6574,48 +6902,215 @@
           </a:fontRef>
         </p:style>
       </p:cxnSp>
-      <p:cxnSp>
-        <p:nvCxnSpPr>
-          <p:cNvPr id="3" name="Straight Arrow Connector 2"/>
-          <p:cNvCxnSpPr>
-            <a:endCxn id="13" idx="0"/>
-          </p:cNvCxnSpPr>
+      <p:sp>
+        <p:nvSpPr>
+          <p:cNvPr id="7" name="TextBox 6"/>
+          <p:cNvSpPr txBox="1"/>
           <p:nvPr/>
-        </p:nvCxnSpPr>
+        </p:nvSpPr>
         <p:spPr>
           <a:xfrm>
-            <a:off x="5639197" y="1854981"/>
-            <a:ext cx="0" cy="1078291"/>
-          </a:xfrm>
-          <a:prstGeom prst="straightConnector1">
+            <a:off x="2328796" y="2154950"/>
+            <a:ext cx="573632" cy="369332"/>
+          </a:xfrm>
+          <a:prstGeom prst="rect">
             <a:avLst/>
           </a:prstGeom>
+          <a:noFill/>
+        </p:spPr>
+        <p:txBody>
+          <a:bodyPr wrap="none" rtlCol="0">
+            <a:spAutoFit/>
+          </a:bodyPr>
+          <a:lstStyle/>
+          <a:p>
+            <a:r>
+              <a:rPr lang="en-US" dirty="0" smtClean="0">
+                <a:solidFill>
+                  <a:srgbClr val="A6A6A6"/>
+                </a:solidFill>
+              </a:rPr>
+              <a:t>http</a:t>
+            </a:r>
+            <a:endParaRPr lang="en-US" dirty="0">
+              <a:solidFill>
+                <a:srgbClr val="A6A6A6"/>
+              </a:solidFill>
+            </a:endParaRPr>
+          </a:p>
+        </p:txBody>
+      </p:sp>
+      <p:grpSp>
+        <p:nvGrpSpPr>
+          <p:cNvPr id="13" name="Group 12"/>
+          <p:cNvGrpSpPr/>
+          <p:nvPr/>
+        </p:nvGrpSpPr>
+        <p:grpSpPr>
+          <a:xfrm>
+            <a:off x="4553111" y="2944636"/>
+            <a:ext cx="2279194" cy="628730"/>
+            <a:chOff x="1242710" y="1226250"/>
+            <a:chExt cx="1076953" cy="979673"/>
+          </a:xfrm>
+        </p:grpSpPr>
+        <p:sp>
+          <p:nvSpPr>
+            <p:cNvPr id="14" name="Rectangle 13"/>
+            <p:cNvSpPr/>
+            <p:nvPr/>
+          </p:nvSpPr>
+          <p:spPr>
+            <a:xfrm>
+              <a:off x="1242710" y="1226250"/>
+              <a:ext cx="1063131" cy="979673"/>
+            </a:xfrm>
+            <a:prstGeom prst="rect">
+              <a:avLst/>
+            </a:prstGeom>
+            <a:noFill/>
+            <a:ln>
+              <a:solidFill>
+                <a:schemeClr val="tx1"/>
+              </a:solidFill>
+            </a:ln>
+          </p:spPr>
+          <p:style>
+            <a:lnRef idx="1">
+              <a:schemeClr val="accent1"/>
+            </a:lnRef>
+            <a:fillRef idx="3">
+              <a:schemeClr val="accent1"/>
+            </a:fillRef>
+            <a:effectRef idx="2">
+              <a:schemeClr val="accent1"/>
+            </a:effectRef>
+            <a:fontRef idx="minor">
+              <a:schemeClr val="lt1"/>
+            </a:fontRef>
+          </p:style>
+          <p:txBody>
+            <a:bodyPr/>
+            <a:lstStyle/>
+            <a:p>
+              <a:endParaRPr lang="en-US"/>
+            </a:p>
+          </p:txBody>
+        </p:sp>
+        <p:sp>
+          <p:nvSpPr>
+            <p:cNvPr id="18" name="TextBox 17"/>
+            <p:cNvSpPr txBox="1"/>
+            <p:nvPr/>
+          </p:nvSpPr>
+          <p:spPr>
+            <a:xfrm>
+              <a:off x="1534340" y="1464266"/>
+              <a:ext cx="785323" cy="575485"/>
+            </a:xfrm>
+            <a:prstGeom prst="rect">
+              <a:avLst/>
+            </a:prstGeom>
+            <a:noFill/>
+          </p:spPr>
+          <p:txBody>
+            <a:bodyPr wrap="square" rtlCol="0">
+              <a:spAutoFit/>
+            </a:bodyPr>
+            <a:lstStyle/>
+            <a:p>
+              <a:r>
+                <a:rPr lang="en-US" dirty="0" smtClean="0">
+                  <a:latin typeface="Helvetica"/>
+                  <a:cs typeface="Helvetica"/>
+                </a:rPr>
+                <a:t>imposter</a:t>
+              </a:r>
+              <a:endParaRPr lang="en-US" dirty="0">
+                <a:latin typeface="Helvetica"/>
+                <a:cs typeface="Helvetica"/>
+              </a:endParaRPr>
+            </a:p>
+          </p:txBody>
+        </p:sp>
+      </p:grpSp>
+      <p:sp>
+        <p:nvSpPr>
+          <p:cNvPr id="22" name="Lightning Bolt 21"/>
+          <p:cNvSpPr/>
+          <p:nvPr/>
+        </p:nvSpPr>
+        <p:spPr>
+          <a:xfrm rot="18432592">
+            <a:off x="3514953" y="2880695"/>
+            <a:ext cx="822960" cy="822960"/>
+          </a:xfrm>
+          <a:prstGeom prst="lightningBolt">
+            <a:avLst/>
+          </a:prstGeom>
+          <a:noFill/>
           <a:ln>
             <a:solidFill>
-              <a:schemeClr val="tx1"/>
+              <a:srgbClr val="FF0000"/>
             </a:solidFill>
-            <a:tailEnd type="arrow"/>
           </a:ln>
         </p:spPr>
         <p:style>
-          <a:lnRef idx="2">
+          <a:lnRef idx="1">
             <a:schemeClr val="accent1"/>
           </a:lnRef>
-          <a:fillRef idx="0">
+          <a:fillRef idx="3">
             <a:schemeClr val="accent1"/>
           </a:fillRef>
-          <a:effectRef idx="1">
+          <a:effectRef idx="2">
             <a:schemeClr val="accent1"/>
           </a:effectRef>
           <a:fontRef idx="minor">
-            <a:schemeClr val="tx1"/>
+            <a:schemeClr val="lt1"/>
           </a:fontRef>
         </p:style>
-      </p:cxnSp>
+        <p:txBody>
+          <a:bodyPr/>
+          <a:lstStyle/>
+          <a:p>
+            <a:endParaRPr lang="en-US"/>
+          </a:p>
+        </p:txBody>
+      </p:sp>
+      <p:sp>
+        <p:nvSpPr>
+          <p:cNvPr id="23" name="TextBox 22"/>
+          <p:cNvSpPr txBox="1"/>
+          <p:nvPr/>
+        </p:nvSpPr>
+        <p:spPr>
+          <a:xfrm>
+            <a:off x="3660901" y="2673066"/>
+            <a:ext cx="822060" cy="369332"/>
+          </a:xfrm>
+          <a:prstGeom prst="rect">
+            <a:avLst/>
+          </a:prstGeom>
+          <a:noFill/>
+        </p:spPr>
+        <p:txBody>
+          <a:bodyPr wrap="none" rtlCol="0">
+            <a:spAutoFit/>
+          </a:bodyPr>
+          <a:lstStyle/>
+          <a:p>
+            <a:r>
+              <a:rPr lang="en-US" b="1" i="1" dirty="0" smtClean="0"/>
+              <a:t>magic</a:t>
+            </a:r>
+            <a:endParaRPr lang="en-US" b="1" i="1" dirty="0"/>
+          </a:p>
+        </p:txBody>
+      </p:sp>
     </p:spTree>
     <p:extLst>
       <p:ext uri="{BB962C8B-B14F-4D97-AF65-F5344CB8AC3E}">
-        <p14:creationId xmlns:p14="http://schemas.microsoft.com/office/powerpoint/2010/main" val="4232414063"/>
+        <p14:creationId xmlns:p14="http://schemas.microsoft.com/office/powerpoint/2010/main" val="1618051007"/>
       </p:ext>
     </p:extLst>
   </p:cSld>
@@ -6625,7 +7120,7 @@
 </p:sld>
 </file>
 
-<file path=ppt/slides/slide6.xml><?xml version="1.0" encoding="utf-8"?>
+<file path=ppt/slides/slide4.xml><?xml version="1.0" encoding="utf-8"?>
 <p:sld xmlns:a="http://schemas.openxmlformats.org/drawingml/2006/main" xmlns:r="http://schemas.openxmlformats.org/officeDocument/2006/relationships" xmlns:p="http://schemas.openxmlformats.org/presentationml/2006/main">
   <p:cSld>
     <p:bg>
@@ -6840,100 +7335,6 @@
       </p:grpSp>
       <p:grpSp>
         <p:nvGrpSpPr>
-          <p:cNvPr id="12" name="Group 11"/>
-          <p:cNvGrpSpPr/>
-          <p:nvPr/>
-        </p:nvGrpSpPr>
-        <p:grpSpPr>
-          <a:xfrm>
-            <a:off x="4553111" y="2933272"/>
-            <a:ext cx="2172171" cy="602232"/>
-            <a:chOff x="1242710" y="1226250"/>
-            <a:chExt cx="1063131" cy="979673"/>
-          </a:xfrm>
-        </p:grpSpPr>
-        <p:sp>
-          <p:nvSpPr>
-            <p:cNvPr id="13" name="Rectangle 12"/>
-            <p:cNvSpPr/>
-            <p:nvPr/>
-          </p:nvSpPr>
-          <p:spPr>
-            <a:xfrm>
-              <a:off x="1242710" y="1226250"/>
-              <a:ext cx="1063131" cy="979673"/>
-            </a:xfrm>
-            <a:prstGeom prst="rect">
-              <a:avLst/>
-            </a:prstGeom>
-            <a:noFill/>
-            <a:ln>
-              <a:solidFill>
-                <a:schemeClr val="tx1"/>
-              </a:solidFill>
-            </a:ln>
-          </p:spPr>
-          <p:style>
-            <a:lnRef idx="1">
-              <a:schemeClr val="accent1"/>
-            </a:lnRef>
-            <a:fillRef idx="3">
-              <a:schemeClr val="accent1"/>
-            </a:fillRef>
-            <a:effectRef idx="2">
-              <a:schemeClr val="accent1"/>
-            </a:effectRef>
-            <a:fontRef idx="minor">
-              <a:schemeClr val="lt1"/>
-            </a:fontRef>
-          </p:style>
-          <p:txBody>
-            <a:bodyPr/>
-            <a:lstStyle/>
-            <a:p>
-              <a:endParaRPr lang="en-US"/>
-            </a:p>
-          </p:txBody>
-        </p:sp>
-        <p:sp>
-          <p:nvSpPr>
-            <p:cNvPr id="14" name="TextBox 13"/>
-            <p:cNvSpPr txBox="1"/>
-            <p:nvPr/>
-          </p:nvSpPr>
-          <p:spPr>
-            <a:xfrm>
-              <a:off x="1520518" y="1403769"/>
-              <a:ext cx="785323" cy="600806"/>
-            </a:xfrm>
-            <a:prstGeom prst="rect">
-              <a:avLst/>
-            </a:prstGeom>
-            <a:noFill/>
-          </p:spPr>
-          <p:txBody>
-            <a:bodyPr wrap="square" rtlCol="0">
-              <a:spAutoFit/>
-            </a:bodyPr>
-            <a:lstStyle/>
-            <a:p>
-              <a:r>
-                <a:rPr lang="en-US" dirty="0" smtClean="0">
-                  <a:latin typeface="Helvetica"/>
-                  <a:cs typeface="Helvetica"/>
-                </a:rPr>
-                <a:t>imposter</a:t>
-              </a:r>
-              <a:endParaRPr lang="en-US" dirty="0">
-                <a:latin typeface="Helvetica"/>
-                <a:cs typeface="Helvetica"/>
-              </a:endParaRPr>
-            </a:p>
-          </p:txBody>
-        </p:sp>
-      </p:grpSp>
-      <p:grpSp>
-        <p:nvGrpSpPr>
           <p:cNvPr id="15" name="Group 14"/>
           <p:cNvGrpSpPr/>
           <p:nvPr/>
@@ -7028,16 +7429,16 @@
       </p:grpSp>
       <p:cxnSp>
         <p:nvCxnSpPr>
-          <p:cNvPr id="6" name="Straight Arrow Connector 5"/>
+          <p:cNvPr id="3" name="Straight Arrow Connector 2"/>
           <p:cNvCxnSpPr>
-            <a:endCxn id="16" idx="1"/>
+            <a:endCxn id="10" idx="0"/>
           </p:cNvCxnSpPr>
           <p:nvPr/>
         </p:nvCxnSpPr>
         <p:spPr>
-          <a:xfrm flipV="1">
-            <a:off x="3492652" y="1540616"/>
-            <a:ext cx="1060459" cy="13558"/>
+          <a:xfrm>
+            <a:off x="2328796" y="1854981"/>
+            <a:ext cx="0" cy="1078291"/>
           </a:xfrm>
           <a:prstGeom prst="straightConnector1">
             <a:avLst/>
@@ -7045,7 +7446,7 @@
           <a:ln>
             <a:solidFill>
               <a:schemeClr val="bg1">
-                <a:lumMod val="65000"/>
+                <a:lumMod val="95000"/>
               </a:schemeClr>
             </a:solidFill>
             <a:tailEnd type="arrow"/>
@@ -7066,18 +7467,199 @@
           </a:fontRef>
         </p:style>
       </p:cxnSp>
+      <p:grpSp>
+        <p:nvGrpSpPr>
+          <p:cNvPr id="13" name="Group 12"/>
+          <p:cNvGrpSpPr/>
+          <p:nvPr/>
+        </p:nvGrpSpPr>
+        <p:grpSpPr>
+          <a:xfrm>
+            <a:off x="4553111" y="2944636"/>
+            <a:ext cx="2279194" cy="628730"/>
+            <a:chOff x="1242710" y="1226250"/>
+            <a:chExt cx="1076953" cy="979673"/>
+          </a:xfrm>
+        </p:grpSpPr>
+        <p:sp>
+          <p:nvSpPr>
+            <p:cNvPr id="14" name="Rectangle 13"/>
+            <p:cNvSpPr/>
+            <p:nvPr/>
+          </p:nvSpPr>
+          <p:spPr>
+            <a:xfrm>
+              <a:off x="1242710" y="1226250"/>
+              <a:ext cx="1063131" cy="979673"/>
+            </a:xfrm>
+            <a:prstGeom prst="rect">
+              <a:avLst/>
+            </a:prstGeom>
+            <a:noFill/>
+            <a:ln>
+              <a:solidFill>
+                <a:schemeClr val="tx1"/>
+              </a:solidFill>
+            </a:ln>
+          </p:spPr>
+          <p:style>
+            <a:lnRef idx="1">
+              <a:schemeClr val="accent1"/>
+            </a:lnRef>
+            <a:fillRef idx="3">
+              <a:schemeClr val="accent1"/>
+            </a:fillRef>
+            <a:effectRef idx="2">
+              <a:schemeClr val="accent1"/>
+            </a:effectRef>
+            <a:fontRef idx="minor">
+              <a:schemeClr val="lt1"/>
+            </a:fontRef>
+          </p:style>
+          <p:txBody>
+            <a:bodyPr/>
+            <a:lstStyle/>
+            <a:p>
+              <a:endParaRPr lang="en-US"/>
+            </a:p>
+          </p:txBody>
+        </p:sp>
+        <p:sp>
+          <p:nvSpPr>
+            <p:cNvPr id="18" name="TextBox 17"/>
+            <p:cNvSpPr txBox="1"/>
+            <p:nvPr/>
+          </p:nvSpPr>
+          <p:spPr>
+            <a:xfrm>
+              <a:off x="1534340" y="1464266"/>
+              <a:ext cx="785323" cy="575485"/>
+            </a:xfrm>
+            <a:prstGeom prst="rect">
+              <a:avLst/>
+            </a:prstGeom>
+            <a:noFill/>
+          </p:spPr>
+          <p:txBody>
+            <a:bodyPr wrap="square" rtlCol="0">
+              <a:spAutoFit/>
+            </a:bodyPr>
+            <a:lstStyle/>
+            <a:p>
+              <a:r>
+                <a:rPr lang="en-US" dirty="0" smtClean="0">
+                  <a:latin typeface="Helvetica"/>
+                  <a:cs typeface="Helvetica"/>
+                </a:rPr>
+                <a:t>imposter</a:t>
+              </a:r>
+              <a:endParaRPr lang="en-US" dirty="0">
+                <a:latin typeface="Helvetica"/>
+                <a:cs typeface="Helvetica"/>
+              </a:endParaRPr>
+            </a:p>
+          </p:txBody>
+        </p:sp>
+      </p:grpSp>
+      <p:sp>
+        <p:nvSpPr>
+          <p:cNvPr id="22" name="Lightning Bolt 21"/>
+          <p:cNvSpPr/>
+          <p:nvPr/>
+        </p:nvSpPr>
+        <p:spPr>
+          <a:xfrm rot="18432592">
+            <a:off x="3514953" y="2880695"/>
+            <a:ext cx="822960" cy="822960"/>
+          </a:xfrm>
+          <a:prstGeom prst="lightningBolt">
+            <a:avLst/>
+          </a:prstGeom>
+          <a:noFill/>
+          <a:ln>
+            <a:solidFill>
+              <a:schemeClr val="bg1">
+                <a:lumMod val="65000"/>
+              </a:schemeClr>
+            </a:solidFill>
+          </a:ln>
+        </p:spPr>
+        <p:style>
+          <a:lnRef idx="1">
+            <a:schemeClr val="accent1"/>
+          </a:lnRef>
+          <a:fillRef idx="3">
+            <a:schemeClr val="accent1"/>
+          </a:fillRef>
+          <a:effectRef idx="2">
+            <a:schemeClr val="accent1"/>
+          </a:effectRef>
+          <a:fontRef idx="minor">
+            <a:schemeClr val="lt1"/>
+          </a:fontRef>
+        </p:style>
+        <p:txBody>
+          <a:bodyPr/>
+          <a:lstStyle/>
+          <a:p>
+            <a:endParaRPr lang="en-US"/>
+          </a:p>
+        </p:txBody>
+      </p:sp>
+      <p:sp>
+        <p:nvSpPr>
+          <p:cNvPr id="23" name="TextBox 22"/>
+          <p:cNvSpPr txBox="1"/>
+          <p:nvPr/>
+        </p:nvSpPr>
+        <p:spPr>
+          <a:xfrm>
+            <a:off x="3660901" y="2673066"/>
+            <a:ext cx="822060" cy="369332"/>
+          </a:xfrm>
+          <a:prstGeom prst="rect">
+            <a:avLst/>
+          </a:prstGeom>
+          <a:noFill/>
+        </p:spPr>
+        <p:txBody>
+          <a:bodyPr wrap="none" rtlCol="0">
+            <a:spAutoFit/>
+          </a:bodyPr>
+          <a:lstStyle/>
+          <a:p>
+            <a:r>
+              <a:rPr lang="en-US" b="1" i="1" dirty="0" smtClean="0">
+                <a:solidFill>
+                  <a:schemeClr val="bg1">
+                    <a:lumMod val="65000"/>
+                  </a:schemeClr>
+                </a:solidFill>
+              </a:rPr>
+              <a:t>magic</a:t>
+            </a:r>
+            <a:endParaRPr lang="en-US" b="1" i="1" dirty="0">
+              <a:solidFill>
+                <a:schemeClr val="bg1">
+                  <a:lumMod val="65000"/>
+                </a:schemeClr>
+              </a:solidFill>
+            </a:endParaRPr>
+          </a:p>
+        </p:txBody>
+      </p:sp>
       <p:cxnSp>
         <p:nvCxnSpPr>
-          <p:cNvPr id="3" name="Straight Arrow Connector 2"/>
+          <p:cNvPr id="6" name="Straight Arrow Connector 5"/>
           <p:cNvCxnSpPr>
-            <a:endCxn id="13" idx="0"/>
+            <a:endCxn id="16" idx="1"/>
           </p:cNvCxnSpPr>
           <p:nvPr/>
         </p:nvCxnSpPr>
         <p:spPr>
-          <a:xfrm>
-            <a:off x="5639197" y="1854981"/>
-            <a:ext cx="0" cy="1078291"/>
+          <a:xfrm flipV="1">
+            <a:off x="3492652" y="1540616"/>
+            <a:ext cx="1060459" cy="13558"/>
           </a:xfrm>
           <a:prstGeom prst="straightConnector1">
             <a:avLst/>
@@ -7106,93 +7688,14 @@
       </p:cxnSp>
       <p:sp>
         <p:nvSpPr>
-          <p:cNvPr id="18" name="Lightning Bolt 17"/>
-          <p:cNvSpPr/>
-          <p:nvPr/>
-        </p:nvSpPr>
-        <p:spPr>
-          <a:xfrm>
-            <a:off x="3660901" y="2865769"/>
-            <a:ext cx="822960" cy="822960"/>
-          </a:xfrm>
-          <a:prstGeom prst="lightningBolt">
-            <a:avLst/>
-          </a:prstGeom>
-          <a:noFill/>
-          <a:ln>
-            <a:solidFill>
-              <a:srgbClr val="FF0000"/>
-            </a:solidFill>
-          </a:ln>
-        </p:spPr>
-        <p:style>
-          <a:lnRef idx="1">
-            <a:schemeClr val="accent1"/>
-          </a:lnRef>
-          <a:fillRef idx="3">
-            <a:schemeClr val="accent1"/>
-          </a:fillRef>
-          <a:effectRef idx="2">
-            <a:schemeClr val="accent1"/>
-          </a:effectRef>
-          <a:fontRef idx="minor">
-            <a:schemeClr val="lt1"/>
-          </a:fontRef>
-        </p:style>
-        <p:txBody>
-          <a:bodyPr/>
-          <a:lstStyle/>
-          <a:p>
-            <a:endParaRPr lang="en-US"/>
-          </a:p>
-        </p:txBody>
-      </p:sp>
-      <p:cxnSp>
-        <p:nvCxnSpPr>
-          <p:cNvPr id="7" name="Straight Arrow Connector 6"/>
-          <p:cNvCxnSpPr/>
-          <p:nvPr/>
-        </p:nvCxnSpPr>
-        <p:spPr>
-          <a:xfrm>
-            <a:off x="2890657" y="2339616"/>
-            <a:ext cx="902286" cy="593656"/>
-          </a:xfrm>
-          <a:prstGeom prst="straightConnector1">
-            <a:avLst/>
-          </a:prstGeom>
-          <a:ln>
-            <a:solidFill>
-              <a:schemeClr val="tx1"/>
-            </a:solidFill>
-            <a:tailEnd type="arrow"/>
-          </a:ln>
-        </p:spPr>
-        <p:style>
-          <a:lnRef idx="2">
-            <a:schemeClr val="accent1"/>
-          </a:lnRef>
-          <a:fillRef idx="0">
-            <a:schemeClr val="accent1"/>
-          </a:fillRef>
-          <a:effectRef idx="1">
-            <a:schemeClr val="accent1"/>
-          </a:effectRef>
-          <a:fontRef idx="minor">
-            <a:schemeClr val="tx1"/>
-          </a:fontRef>
-        </p:style>
-      </p:cxnSp>
-      <p:sp>
-        <p:nvSpPr>
-          <p:cNvPr id="19" name="TextBox 18"/>
+          <p:cNvPr id="12" name="TextBox 11"/>
           <p:cNvSpPr txBox="1"/>
           <p:nvPr/>
         </p:nvSpPr>
         <p:spPr>
           <a:xfrm>
-            <a:off x="1964345" y="2138239"/>
-            <a:ext cx="964402" cy="369332"/>
+            <a:off x="3725882" y="1171284"/>
+            <a:ext cx="573632" cy="369332"/>
           </a:xfrm>
           <a:prstGeom prst="rect">
             <a:avLst/>
@@ -7207,7 +7710,7 @@
           <a:p>
             <a:r>
               <a:rPr lang="en-US" dirty="0" smtClean="0"/>
-              <a:t>magic!!!</a:t>
+              <a:t>http</a:t>
             </a:r>
             <a:endParaRPr lang="en-US" dirty="0"/>
           </a:p>
@@ -7216,7 +7719,7 @@
     </p:spTree>
     <p:extLst>
       <p:ext uri="{BB962C8B-B14F-4D97-AF65-F5344CB8AC3E}">
-        <p14:creationId xmlns:p14="http://schemas.microsoft.com/office/powerpoint/2010/main" val="2172124964"/>
+        <p14:creationId xmlns:p14="http://schemas.microsoft.com/office/powerpoint/2010/main" val="3267324031"/>
       </p:ext>
     </p:extLst>
   </p:cSld>
@@ -7226,7 +7729,7 @@
 </p:sld>
 </file>
 
-<file path=ppt/slides/slide7.xml><?xml version="1.0" encoding="utf-8"?>
+<file path=ppt/slides/slide5.xml><?xml version="1.0" encoding="utf-8"?>
 <p:sld xmlns:a="http://schemas.openxmlformats.org/drawingml/2006/main" xmlns:r="http://schemas.openxmlformats.org/officeDocument/2006/relationships" xmlns:p="http://schemas.openxmlformats.org/presentationml/2006/main">
   <p:cSld>
     <p:bg>
@@ -7441,100 +7944,6 @@
       </p:grpSp>
       <p:grpSp>
         <p:nvGrpSpPr>
-          <p:cNvPr id="12" name="Group 11"/>
-          <p:cNvGrpSpPr/>
-          <p:nvPr/>
-        </p:nvGrpSpPr>
-        <p:grpSpPr>
-          <a:xfrm>
-            <a:off x="4553111" y="2933272"/>
-            <a:ext cx="2172171" cy="602232"/>
-            <a:chOff x="1242710" y="1226250"/>
-            <a:chExt cx="1063131" cy="979673"/>
-          </a:xfrm>
-        </p:grpSpPr>
-        <p:sp>
-          <p:nvSpPr>
-            <p:cNvPr id="13" name="Rectangle 12"/>
-            <p:cNvSpPr/>
-            <p:nvPr/>
-          </p:nvSpPr>
-          <p:spPr>
-            <a:xfrm>
-              <a:off x="1242710" y="1226250"/>
-              <a:ext cx="1063131" cy="979673"/>
-            </a:xfrm>
-            <a:prstGeom prst="rect">
-              <a:avLst/>
-            </a:prstGeom>
-            <a:noFill/>
-            <a:ln>
-              <a:solidFill>
-                <a:schemeClr val="tx1"/>
-              </a:solidFill>
-            </a:ln>
-          </p:spPr>
-          <p:style>
-            <a:lnRef idx="1">
-              <a:schemeClr val="accent1"/>
-            </a:lnRef>
-            <a:fillRef idx="3">
-              <a:schemeClr val="accent1"/>
-            </a:fillRef>
-            <a:effectRef idx="2">
-              <a:schemeClr val="accent1"/>
-            </a:effectRef>
-            <a:fontRef idx="minor">
-              <a:schemeClr val="lt1"/>
-            </a:fontRef>
-          </p:style>
-          <p:txBody>
-            <a:bodyPr/>
-            <a:lstStyle/>
-            <a:p>
-              <a:endParaRPr lang="en-US"/>
-            </a:p>
-          </p:txBody>
-        </p:sp>
-        <p:sp>
-          <p:nvSpPr>
-            <p:cNvPr id="14" name="TextBox 13"/>
-            <p:cNvSpPr txBox="1"/>
-            <p:nvPr/>
-          </p:nvSpPr>
-          <p:spPr>
-            <a:xfrm>
-              <a:off x="1520518" y="1403769"/>
-              <a:ext cx="785323" cy="600806"/>
-            </a:xfrm>
-            <a:prstGeom prst="rect">
-              <a:avLst/>
-            </a:prstGeom>
-            <a:noFill/>
-          </p:spPr>
-          <p:txBody>
-            <a:bodyPr wrap="square" rtlCol="0">
-              <a:spAutoFit/>
-            </a:bodyPr>
-            <a:lstStyle/>
-            <a:p>
-              <a:r>
-                <a:rPr lang="en-US" dirty="0" smtClean="0">
-                  <a:latin typeface="Helvetica"/>
-                  <a:cs typeface="Helvetica"/>
-                </a:rPr>
-                <a:t>imposter</a:t>
-              </a:r>
-              <a:endParaRPr lang="en-US" dirty="0">
-                <a:latin typeface="Helvetica"/>
-                <a:cs typeface="Helvetica"/>
-              </a:endParaRPr>
-            </a:p>
-          </p:txBody>
-        </p:sp>
-      </p:grpSp>
-      <p:grpSp>
-        <p:nvGrpSpPr>
           <p:cNvPr id="15" name="Group 14"/>
           <p:cNvGrpSpPr/>
           <p:nvPr/>
@@ -7627,6 +8036,187 @@
           </p:txBody>
         </p:sp>
       </p:grpSp>
+      <p:grpSp>
+        <p:nvGrpSpPr>
+          <p:cNvPr id="13" name="Group 12"/>
+          <p:cNvGrpSpPr/>
+          <p:nvPr/>
+        </p:nvGrpSpPr>
+        <p:grpSpPr>
+          <a:xfrm>
+            <a:off x="4553111" y="2944636"/>
+            <a:ext cx="2279194" cy="628730"/>
+            <a:chOff x="1242710" y="1226250"/>
+            <a:chExt cx="1076953" cy="979673"/>
+          </a:xfrm>
+        </p:grpSpPr>
+        <p:sp>
+          <p:nvSpPr>
+            <p:cNvPr id="14" name="Rectangle 13"/>
+            <p:cNvSpPr/>
+            <p:nvPr/>
+          </p:nvSpPr>
+          <p:spPr>
+            <a:xfrm>
+              <a:off x="1242710" y="1226250"/>
+              <a:ext cx="1063131" cy="979673"/>
+            </a:xfrm>
+            <a:prstGeom prst="rect">
+              <a:avLst/>
+            </a:prstGeom>
+            <a:noFill/>
+            <a:ln>
+              <a:solidFill>
+                <a:schemeClr val="tx1"/>
+              </a:solidFill>
+            </a:ln>
+          </p:spPr>
+          <p:style>
+            <a:lnRef idx="1">
+              <a:schemeClr val="accent1"/>
+            </a:lnRef>
+            <a:fillRef idx="3">
+              <a:schemeClr val="accent1"/>
+            </a:fillRef>
+            <a:effectRef idx="2">
+              <a:schemeClr val="accent1"/>
+            </a:effectRef>
+            <a:fontRef idx="minor">
+              <a:schemeClr val="lt1"/>
+            </a:fontRef>
+          </p:style>
+          <p:txBody>
+            <a:bodyPr/>
+            <a:lstStyle/>
+            <a:p>
+              <a:endParaRPr lang="en-US"/>
+            </a:p>
+          </p:txBody>
+        </p:sp>
+        <p:sp>
+          <p:nvSpPr>
+            <p:cNvPr id="18" name="TextBox 17"/>
+            <p:cNvSpPr txBox="1"/>
+            <p:nvPr/>
+          </p:nvSpPr>
+          <p:spPr>
+            <a:xfrm>
+              <a:off x="1534340" y="1464266"/>
+              <a:ext cx="785323" cy="575485"/>
+            </a:xfrm>
+            <a:prstGeom prst="rect">
+              <a:avLst/>
+            </a:prstGeom>
+            <a:noFill/>
+          </p:spPr>
+          <p:txBody>
+            <a:bodyPr wrap="square" rtlCol="0">
+              <a:spAutoFit/>
+            </a:bodyPr>
+            <a:lstStyle/>
+            <a:p>
+              <a:r>
+                <a:rPr lang="en-US" dirty="0" smtClean="0">
+                  <a:latin typeface="Helvetica"/>
+                  <a:cs typeface="Helvetica"/>
+                </a:rPr>
+                <a:t>imposter</a:t>
+              </a:r>
+              <a:endParaRPr lang="en-US" dirty="0">
+                <a:latin typeface="Helvetica"/>
+                <a:cs typeface="Helvetica"/>
+              </a:endParaRPr>
+            </a:p>
+          </p:txBody>
+        </p:sp>
+      </p:grpSp>
+      <p:sp>
+        <p:nvSpPr>
+          <p:cNvPr id="22" name="Lightning Bolt 21"/>
+          <p:cNvSpPr/>
+          <p:nvPr/>
+        </p:nvSpPr>
+        <p:spPr>
+          <a:xfrm rot="18432592">
+            <a:off x="3514953" y="2880695"/>
+            <a:ext cx="822960" cy="822960"/>
+          </a:xfrm>
+          <a:prstGeom prst="lightningBolt">
+            <a:avLst/>
+          </a:prstGeom>
+          <a:noFill/>
+          <a:ln>
+            <a:solidFill>
+              <a:schemeClr val="bg1">
+                <a:lumMod val="95000"/>
+              </a:schemeClr>
+            </a:solidFill>
+          </a:ln>
+        </p:spPr>
+        <p:style>
+          <a:lnRef idx="1">
+            <a:schemeClr val="accent1"/>
+          </a:lnRef>
+          <a:fillRef idx="3">
+            <a:schemeClr val="accent1"/>
+          </a:fillRef>
+          <a:effectRef idx="2">
+            <a:schemeClr val="accent1"/>
+          </a:effectRef>
+          <a:fontRef idx="minor">
+            <a:schemeClr val="lt1"/>
+          </a:fontRef>
+        </p:style>
+        <p:txBody>
+          <a:bodyPr/>
+          <a:lstStyle/>
+          <a:p>
+            <a:endParaRPr lang="en-US"/>
+          </a:p>
+        </p:txBody>
+      </p:sp>
+      <p:sp>
+        <p:nvSpPr>
+          <p:cNvPr id="23" name="TextBox 22"/>
+          <p:cNvSpPr txBox="1"/>
+          <p:nvPr/>
+        </p:nvSpPr>
+        <p:spPr>
+          <a:xfrm>
+            <a:off x="3660901" y="2673066"/>
+            <a:ext cx="822060" cy="369332"/>
+          </a:xfrm>
+          <a:prstGeom prst="rect">
+            <a:avLst/>
+          </a:prstGeom>
+          <a:noFill/>
+        </p:spPr>
+        <p:txBody>
+          <a:bodyPr wrap="none" rtlCol="0">
+            <a:spAutoFit/>
+          </a:bodyPr>
+          <a:lstStyle/>
+          <a:p>
+            <a:r>
+              <a:rPr lang="en-US" b="1" i="1" dirty="0" smtClean="0">
+                <a:solidFill>
+                  <a:schemeClr val="bg1">
+                    <a:lumMod val="95000"/>
+                  </a:schemeClr>
+                </a:solidFill>
+              </a:rPr>
+              <a:t>magic</a:t>
+            </a:r>
+            <a:endParaRPr lang="en-US" b="1" i="1" dirty="0">
+              <a:solidFill>
+                <a:schemeClr val="bg1">
+                  <a:lumMod val="95000"/>
+                </a:schemeClr>
+              </a:solidFill>
+            </a:endParaRPr>
+          </a:p>
+        </p:txBody>
+      </p:sp>
       <p:cxnSp>
         <p:nvCxnSpPr>
           <p:cNvPr id="6" name="Straight Arrow Connector 5"/>
@@ -7667,98 +8257,61 @@
           </a:fontRef>
         </p:style>
       </p:cxnSp>
+      <p:sp>
+        <p:nvSpPr>
+          <p:cNvPr id="12" name="TextBox 11"/>
+          <p:cNvSpPr txBox="1"/>
+          <p:nvPr/>
+        </p:nvSpPr>
+        <p:spPr>
+          <a:xfrm>
+            <a:off x="3725882" y="1171284"/>
+            <a:ext cx="573632" cy="369332"/>
+          </a:xfrm>
+          <a:prstGeom prst="rect">
+            <a:avLst/>
+          </a:prstGeom>
+          <a:noFill/>
+        </p:spPr>
+        <p:txBody>
+          <a:bodyPr wrap="none" rtlCol="0">
+            <a:spAutoFit/>
+          </a:bodyPr>
+          <a:lstStyle/>
+          <a:p>
+            <a:r>
+              <a:rPr lang="en-US" dirty="0" smtClean="0">
+                <a:solidFill>
+                  <a:schemeClr val="bg1">
+                    <a:lumMod val="65000"/>
+                  </a:schemeClr>
+                </a:solidFill>
+              </a:rPr>
+              <a:t>http</a:t>
+            </a:r>
+            <a:endParaRPr lang="en-US" dirty="0">
+              <a:solidFill>
+                <a:schemeClr val="bg1">
+                  <a:lumMod val="65000"/>
+                </a:schemeClr>
+              </a:solidFill>
+            </a:endParaRPr>
+          </a:p>
+        </p:txBody>
+      </p:sp>
       <p:cxnSp>
         <p:nvCxnSpPr>
-          <p:cNvPr id="3" name="Straight Arrow Connector 2"/>
+          <p:cNvPr id="7" name="Straight Arrow Connector 6"/>
           <p:cNvCxnSpPr>
-            <a:endCxn id="13" idx="0"/>
+            <a:stCxn id="16" idx="2"/>
+            <a:endCxn id="14" idx="0"/>
           </p:cNvCxnSpPr>
           <p:nvPr/>
         </p:nvCxnSpPr>
         <p:spPr>
           <a:xfrm>
-            <a:off x="5639197" y="1854981"/>
-            <a:ext cx="0" cy="1078291"/>
-          </a:xfrm>
-          <a:prstGeom prst="straightConnector1">
-            <a:avLst/>
-          </a:prstGeom>
-          <a:ln>
-            <a:solidFill>
-              <a:srgbClr val="008000"/>
-            </a:solidFill>
-            <a:headEnd type="arrow"/>
-            <a:tailEnd type="none"/>
-          </a:ln>
-        </p:spPr>
-        <p:style>
-          <a:lnRef idx="2">
-            <a:schemeClr val="accent1"/>
-          </a:lnRef>
-          <a:fillRef idx="0">
-            <a:schemeClr val="accent1"/>
-          </a:fillRef>
-          <a:effectRef idx="1">
-            <a:schemeClr val="accent1"/>
-          </a:effectRef>
-          <a:fontRef idx="minor">
-            <a:schemeClr val="tx1"/>
-          </a:fontRef>
-        </p:style>
-      </p:cxnSp>
-      <p:sp>
-        <p:nvSpPr>
-          <p:cNvPr id="18" name="Lightning Bolt 17"/>
-          <p:cNvSpPr/>
-          <p:nvPr/>
-        </p:nvSpPr>
-        <p:spPr>
-          <a:xfrm>
-            <a:off x="3660901" y="2865769"/>
-            <a:ext cx="822960" cy="822960"/>
-          </a:xfrm>
-          <a:prstGeom prst="lightningBolt">
-            <a:avLst/>
-          </a:prstGeom>
-          <a:noFill/>
-          <a:ln>
-            <a:solidFill>
-              <a:srgbClr val="FF0000"/>
-            </a:solidFill>
-          </a:ln>
-        </p:spPr>
-        <p:style>
-          <a:lnRef idx="1">
-            <a:schemeClr val="accent1"/>
-          </a:lnRef>
-          <a:fillRef idx="3">
-            <a:schemeClr val="accent1"/>
-          </a:fillRef>
-          <a:effectRef idx="2">
-            <a:schemeClr val="accent1"/>
-          </a:effectRef>
-          <a:fontRef idx="minor">
-            <a:schemeClr val="lt1"/>
-          </a:fontRef>
-        </p:style>
-        <p:txBody>
-          <a:bodyPr/>
-          <a:lstStyle/>
-          <a:p>
-            <a:endParaRPr lang="en-US"/>
-          </a:p>
-        </p:txBody>
-      </p:sp>
-      <p:cxnSp>
-        <p:nvCxnSpPr>
-          <p:cNvPr id="7" name="Straight Arrow Connector 6"/>
-          <p:cNvCxnSpPr/>
-          <p:nvPr/>
-        </p:nvCxnSpPr>
-        <p:spPr>
-          <a:xfrm>
-            <a:off x="2890657" y="2339616"/>
-            <a:ext cx="902286" cy="593656"/>
+            <a:off x="5678082" y="1854981"/>
+            <a:ext cx="0" cy="1089655"/>
           </a:xfrm>
           <a:prstGeom prst="straightConnector1">
             <a:avLst/>
@@ -7787,14 +8340,14 @@
       </p:cxnSp>
       <p:sp>
         <p:nvSpPr>
-          <p:cNvPr id="19" name="TextBox 18"/>
+          <p:cNvPr id="20" name="TextBox 19"/>
           <p:cNvSpPr txBox="1"/>
           <p:nvPr/>
         </p:nvSpPr>
         <p:spPr>
           <a:xfrm>
-            <a:off x="1964345" y="2138239"/>
-            <a:ext cx="964402" cy="369332"/>
+            <a:off x="5678082" y="2154950"/>
+            <a:ext cx="480871" cy="369332"/>
           </a:xfrm>
           <a:prstGeom prst="rect">
             <a:avLst/>
@@ -7809,7 +8362,7 @@
           <a:p>
             <a:r>
               <a:rPr lang="en-US" dirty="0" smtClean="0"/>
-              <a:t>magic!!!</a:t>
+              <a:t>tcp</a:t>
             </a:r>
             <a:endParaRPr lang="en-US" dirty="0"/>
           </a:p>
@@ -7818,7 +8371,7 @@
     </p:spTree>
     <p:extLst>
       <p:ext uri="{BB962C8B-B14F-4D97-AF65-F5344CB8AC3E}">
-        <p14:creationId xmlns:p14="http://schemas.microsoft.com/office/powerpoint/2010/main" val="4000051156"/>
+        <p14:creationId xmlns:p14="http://schemas.microsoft.com/office/powerpoint/2010/main" val="1591165348"/>
       </p:ext>
     </p:extLst>
   </p:cSld>
@@ -7828,7 +8381,7 @@
 </p:sld>
 </file>
 
-<file path=ppt/slides/slide8.xml><?xml version="1.0" encoding="utf-8"?>
+<file path=ppt/slides/slide6.xml><?xml version="1.0" encoding="utf-8"?>
 <p:sld xmlns:a="http://schemas.openxmlformats.org/drawingml/2006/main" xmlns:r="http://schemas.openxmlformats.org/officeDocument/2006/relationships" xmlns:p="http://schemas.openxmlformats.org/presentationml/2006/main">
   <p:cSld>
     <p:bg>
@@ -8043,100 +8596,6 @@
       </p:grpSp>
       <p:grpSp>
         <p:nvGrpSpPr>
-          <p:cNvPr id="12" name="Group 11"/>
-          <p:cNvGrpSpPr/>
-          <p:nvPr/>
-        </p:nvGrpSpPr>
-        <p:grpSpPr>
-          <a:xfrm>
-            <a:off x="4553111" y="2933272"/>
-            <a:ext cx="2172171" cy="602232"/>
-            <a:chOff x="1242710" y="1226250"/>
-            <a:chExt cx="1063131" cy="979673"/>
-          </a:xfrm>
-        </p:grpSpPr>
-        <p:sp>
-          <p:nvSpPr>
-            <p:cNvPr id="13" name="Rectangle 12"/>
-            <p:cNvSpPr/>
-            <p:nvPr/>
-          </p:nvSpPr>
-          <p:spPr>
-            <a:xfrm>
-              <a:off x="1242710" y="1226250"/>
-              <a:ext cx="1063131" cy="979673"/>
-            </a:xfrm>
-            <a:prstGeom prst="rect">
-              <a:avLst/>
-            </a:prstGeom>
-            <a:noFill/>
-            <a:ln>
-              <a:solidFill>
-                <a:schemeClr val="tx1"/>
-              </a:solidFill>
-            </a:ln>
-          </p:spPr>
-          <p:style>
-            <a:lnRef idx="1">
-              <a:schemeClr val="accent1"/>
-            </a:lnRef>
-            <a:fillRef idx="3">
-              <a:schemeClr val="accent1"/>
-            </a:fillRef>
-            <a:effectRef idx="2">
-              <a:schemeClr val="accent1"/>
-            </a:effectRef>
-            <a:fontRef idx="minor">
-              <a:schemeClr val="lt1"/>
-            </a:fontRef>
-          </p:style>
-          <p:txBody>
-            <a:bodyPr/>
-            <a:lstStyle/>
-            <a:p>
-              <a:endParaRPr lang="en-US"/>
-            </a:p>
-          </p:txBody>
-        </p:sp>
-        <p:sp>
-          <p:nvSpPr>
-            <p:cNvPr id="14" name="TextBox 13"/>
-            <p:cNvSpPr txBox="1"/>
-            <p:nvPr/>
-          </p:nvSpPr>
-          <p:spPr>
-            <a:xfrm>
-              <a:off x="1520518" y="1403769"/>
-              <a:ext cx="785323" cy="600806"/>
-            </a:xfrm>
-            <a:prstGeom prst="rect">
-              <a:avLst/>
-            </a:prstGeom>
-            <a:noFill/>
-          </p:spPr>
-          <p:txBody>
-            <a:bodyPr wrap="square" rtlCol="0">
-              <a:spAutoFit/>
-            </a:bodyPr>
-            <a:lstStyle/>
-            <a:p>
-              <a:r>
-                <a:rPr lang="en-US" dirty="0" smtClean="0">
-                  <a:latin typeface="Helvetica"/>
-                  <a:cs typeface="Helvetica"/>
-                </a:rPr>
-                <a:t>imposter</a:t>
-              </a:r>
-              <a:endParaRPr lang="en-US" dirty="0">
-                <a:latin typeface="Helvetica"/>
-                <a:cs typeface="Helvetica"/>
-              </a:endParaRPr>
-            </a:p>
-          </p:txBody>
-        </p:sp>
-      </p:grpSp>
-      <p:grpSp>
-        <p:nvGrpSpPr>
           <p:cNvPr id="15" name="Group 14"/>
           <p:cNvGrpSpPr/>
           <p:nvPr/>
@@ -8229,6 +8688,178 @@
           </p:txBody>
         </p:sp>
       </p:grpSp>
+      <p:grpSp>
+        <p:nvGrpSpPr>
+          <p:cNvPr id="13" name="Group 12"/>
+          <p:cNvGrpSpPr/>
+          <p:nvPr/>
+        </p:nvGrpSpPr>
+        <p:grpSpPr>
+          <a:xfrm>
+            <a:off x="4553111" y="2944636"/>
+            <a:ext cx="2279194" cy="628730"/>
+            <a:chOff x="1242710" y="1226250"/>
+            <a:chExt cx="1076953" cy="979673"/>
+          </a:xfrm>
+        </p:grpSpPr>
+        <p:sp>
+          <p:nvSpPr>
+            <p:cNvPr id="14" name="Rectangle 13"/>
+            <p:cNvSpPr/>
+            <p:nvPr/>
+          </p:nvSpPr>
+          <p:spPr>
+            <a:xfrm>
+              <a:off x="1242710" y="1226250"/>
+              <a:ext cx="1063131" cy="979673"/>
+            </a:xfrm>
+            <a:prstGeom prst="rect">
+              <a:avLst/>
+            </a:prstGeom>
+            <a:noFill/>
+            <a:ln>
+              <a:solidFill>
+                <a:schemeClr val="tx1"/>
+              </a:solidFill>
+              <a:prstDash val="lgDashDotDot"/>
+            </a:ln>
+          </p:spPr>
+          <p:style>
+            <a:lnRef idx="1">
+              <a:schemeClr val="accent1"/>
+            </a:lnRef>
+            <a:fillRef idx="3">
+              <a:schemeClr val="accent1"/>
+            </a:fillRef>
+            <a:effectRef idx="2">
+              <a:schemeClr val="accent1"/>
+            </a:effectRef>
+            <a:fontRef idx="minor">
+              <a:schemeClr val="lt1"/>
+            </a:fontRef>
+          </p:style>
+          <p:txBody>
+            <a:bodyPr/>
+            <a:lstStyle/>
+            <a:p>
+              <a:endParaRPr lang="en-US"/>
+            </a:p>
+          </p:txBody>
+        </p:sp>
+        <p:sp>
+          <p:nvSpPr>
+            <p:cNvPr id="18" name="TextBox 17"/>
+            <p:cNvSpPr txBox="1"/>
+            <p:nvPr/>
+          </p:nvSpPr>
+          <p:spPr>
+            <a:xfrm>
+              <a:off x="1534340" y="1464266"/>
+              <a:ext cx="785323" cy="575485"/>
+            </a:xfrm>
+            <a:prstGeom prst="rect">
+              <a:avLst/>
+            </a:prstGeom>
+            <a:noFill/>
+            <a:ln>
+              <a:noFill/>
+              <a:prstDash val="lgDashDotDot"/>
+            </a:ln>
+          </p:spPr>
+          <p:txBody>
+            <a:bodyPr wrap="square" rtlCol="0">
+              <a:spAutoFit/>
+            </a:bodyPr>
+            <a:lstStyle/>
+            <a:p>
+              <a:r>
+                <a:rPr lang="en-US" dirty="0" smtClean="0">
+                  <a:latin typeface="Helvetica"/>
+                  <a:cs typeface="Helvetica"/>
+                </a:rPr>
+                <a:t>imposter</a:t>
+              </a:r>
+              <a:endParaRPr lang="en-US" dirty="0">
+                <a:latin typeface="Helvetica"/>
+                <a:cs typeface="Helvetica"/>
+              </a:endParaRPr>
+            </a:p>
+          </p:txBody>
+        </p:sp>
+      </p:grpSp>
+      <p:sp>
+        <p:nvSpPr>
+          <p:cNvPr id="22" name="Lightning Bolt 21"/>
+          <p:cNvSpPr/>
+          <p:nvPr/>
+        </p:nvSpPr>
+        <p:spPr>
+          <a:xfrm rot="18432592">
+            <a:off x="3514953" y="2880695"/>
+            <a:ext cx="822960" cy="822960"/>
+          </a:xfrm>
+          <a:prstGeom prst="lightningBolt">
+            <a:avLst/>
+          </a:prstGeom>
+          <a:noFill/>
+          <a:ln>
+            <a:solidFill>
+              <a:srgbClr val="FF0000"/>
+            </a:solidFill>
+          </a:ln>
+        </p:spPr>
+        <p:style>
+          <a:lnRef idx="1">
+            <a:schemeClr val="accent1"/>
+          </a:lnRef>
+          <a:fillRef idx="3">
+            <a:schemeClr val="accent1"/>
+          </a:fillRef>
+          <a:effectRef idx="2">
+            <a:schemeClr val="accent1"/>
+          </a:effectRef>
+          <a:fontRef idx="minor">
+            <a:schemeClr val="lt1"/>
+          </a:fontRef>
+        </p:style>
+        <p:txBody>
+          <a:bodyPr/>
+          <a:lstStyle/>
+          <a:p>
+            <a:endParaRPr lang="en-US"/>
+          </a:p>
+        </p:txBody>
+      </p:sp>
+      <p:sp>
+        <p:nvSpPr>
+          <p:cNvPr id="23" name="TextBox 22"/>
+          <p:cNvSpPr txBox="1"/>
+          <p:nvPr/>
+        </p:nvSpPr>
+        <p:spPr>
+          <a:xfrm>
+            <a:off x="3660901" y="2673066"/>
+            <a:ext cx="822060" cy="369332"/>
+          </a:xfrm>
+          <a:prstGeom prst="rect">
+            <a:avLst/>
+          </a:prstGeom>
+          <a:noFill/>
+        </p:spPr>
+        <p:txBody>
+          <a:bodyPr wrap="none" rtlCol="0">
+            <a:spAutoFit/>
+          </a:bodyPr>
+          <a:lstStyle/>
+          <a:p>
+            <a:r>
+              <a:rPr lang="en-US" b="1" i="1" dirty="0" smtClean="0"/>
+              <a:t>magic</a:t>
+            </a:r>
+            <a:endParaRPr lang="en-US" b="1" i="1" dirty="0"/>
+          </a:p>
+        </p:txBody>
+      </p:sp>
       <p:cxnSp>
         <p:nvCxnSpPr>
           <p:cNvPr id="6" name="Straight Arrow Connector 5"/>
@@ -8247,10 +8878,11 @@
           </a:prstGeom>
           <a:ln>
             <a:solidFill>
-              <a:srgbClr val="008000"/>
+              <a:schemeClr val="bg1">
+                <a:lumMod val="65000"/>
+              </a:schemeClr>
             </a:solidFill>
-            <a:headEnd type="arrow"/>
-            <a:tailEnd type="none"/>
+            <a:tailEnd type="arrow"/>
           </a:ln>
         </p:spPr>
         <p:style>
@@ -8268,30 +8900,70 @@
           </a:fontRef>
         </p:style>
       </p:cxnSp>
+      <p:sp>
+        <p:nvSpPr>
+          <p:cNvPr id="12" name="TextBox 11"/>
+          <p:cNvSpPr txBox="1"/>
+          <p:nvPr/>
+        </p:nvSpPr>
+        <p:spPr>
+          <a:xfrm>
+            <a:off x="3725882" y="1171284"/>
+            <a:ext cx="573632" cy="369332"/>
+          </a:xfrm>
+          <a:prstGeom prst="rect">
+            <a:avLst/>
+          </a:prstGeom>
+          <a:noFill/>
+        </p:spPr>
+        <p:txBody>
+          <a:bodyPr wrap="none" rtlCol="0">
+            <a:spAutoFit/>
+          </a:bodyPr>
+          <a:lstStyle/>
+          <a:p>
+            <a:r>
+              <a:rPr lang="en-US" dirty="0" smtClean="0">
+                <a:solidFill>
+                  <a:schemeClr val="bg1">
+                    <a:lumMod val="65000"/>
+                  </a:schemeClr>
+                </a:solidFill>
+              </a:rPr>
+              <a:t>http</a:t>
+            </a:r>
+            <a:endParaRPr lang="en-US" dirty="0">
+              <a:solidFill>
+                <a:schemeClr val="bg1">
+                  <a:lumMod val="65000"/>
+                </a:schemeClr>
+              </a:solidFill>
+            </a:endParaRPr>
+          </a:p>
+        </p:txBody>
+      </p:sp>
       <p:cxnSp>
         <p:nvCxnSpPr>
-          <p:cNvPr id="3" name="Straight Arrow Connector 2"/>
+          <p:cNvPr id="7" name="Straight Arrow Connector 6"/>
           <p:cNvCxnSpPr>
-            <a:endCxn id="13" idx="0"/>
+            <a:stCxn id="16" idx="2"/>
+            <a:endCxn id="14" idx="0"/>
           </p:cNvCxnSpPr>
           <p:nvPr/>
         </p:nvCxnSpPr>
         <p:spPr>
           <a:xfrm>
-            <a:off x="5639197" y="1854981"/>
-            <a:ext cx="0" cy="1078291"/>
+            <a:off x="5678082" y="1854981"/>
+            <a:ext cx="0" cy="1089655"/>
           </a:xfrm>
           <a:prstGeom prst="straightConnector1">
             <a:avLst/>
           </a:prstGeom>
           <a:ln>
             <a:solidFill>
-              <a:schemeClr val="accent3">
-                <a:lumMod val="75000"/>
-              </a:schemeClr>
+              <a:schemeClr val="tx1"/>
             </a:solidFill>
-            <a:headEnd type="arrow"/>
-            <a:tailEnd type="none"/>
+            <a:tailEnd type="arrow"/>
           </a:ln>
         </p:spPr>
         <p:style>
@@ -8309,10 +8981,40 @@
           </a:fontRef>
         </p:style>
       </p:cxnSp>
+      <p:sp>
+        <p:nvSpPr>
+          <p:cNvPr id="20" name="TextBox 19"/>
+          <p:cNvSpPr txBox="1"/>
+          <p:nvPr/>
+        </p:nvSpPr>
+        <p:spPr>
+          <a:xfrm>
+            <a:off x="5678082" y="2154950"/>
+            <a:ext cx="480871" cy="369332"/>
+          </a:xfrm>
+          <a:prstGeom prst="rect">
+            <a:avLst/>
+          </a:prstGeom>
+          <a:noFill/>
+        </p:spPr>
+        <p:txBody>
+          <a:bodyPr wrap="none" rtlCol="0">
+            <a:spAutoFit/>
+          </a:bodyPr>
+          <a:lstStyle/>
+          <a:p>
+            <a:r>
+              <a:rPr lang="en-US" dirty="0" smtClean="0"/>
+              <a:t>tcp</a:t>
+            </a:r>
+            <a:endParaRPr lang="en-US" dirty="0"/>
+          </a:p>
+        </p:txBody>
+      </p:sp>
     </p:spTree>
     <p:extLst>
       <p:ext uri="{BB962C8B-B14F-4D97-AF65-F5344CB8AC3E}">
-        <p14:creationId xmlns:p14="http://schemas.microsoft.com/office/powerpoint/2010/main" val="2797891011"/>
+        <p14:creationId xmlns:p14="http://schemas.microsoft.com/office/powerpoint/2010/main" val="3750782434"/>
       </p:ext>
     </p:extLst>
   </p:cSld>
@@ -8322,7 +9024,7 @@
 </p:sld>
 </file>
 
-<file path=ppt/slides/slide9.xml><?xml version="1.0" encoding="utf-8"?>
+<file path=ppt/slides/slide7.xml><?xml version="1.0" encoding="utf-8"?>
 <p:sld xmlns:a="http://schemas.openxmlformats.org/drawingml/2006/main" xmlns:r="http://schemas.openxmlformats.org/officeDocument/2006/relationships" xmlns:p="http://schemas.openxmlformats.org/presentationml/2006/main">
   <p:cSld>
     <p:bg>
@@ -8537,100 +9239,6 @@
       </p:grpSp>
       <p:grpSp>
         <p:nvGrpSpPr>
-          <p:cNvPr id="12" name="Group 11"/>
-          <p:cNvGrpSpPr/>
-          <p:nvPr/>
-        </p:nvGrpSpPr>
-        <p:grpSpPr>
-          <a:xfrm>
-            <a:off x="4553111" y="2933272"/>
-            <a:ext cx="2172171" cy="602232"/>
-            <a:chOff x="1242710" y="1226250"/>
-            <a:chExt cx="1063131" cy="979673"/>
-          </a:xfrm>
-        </p:grpSpPr>
-        <p:sp>
-          <p:nvSpPr>
-            <p:cNvPr id="13" name="Rectangle 12"/>
-            <p:cNvSpPr/>
-            <p:nvPr/>
-          </p:nvSpPr>
-          <p:spPr>
-            <a:xfrm>
-              <a:off x="1242710" y="1226250"/>
-              <a:ext cx="1063131" cy="979673"/>
-            </a:xfrm>
-            <a:prstGeom prst="rect">
-              <a:avLst/>
-            </a:prstGeom>
-            <a:noFill/>
-            <a:ln>
-              <a:solidFill>
-                <a:schemeClr val="tx1"/>
-              </a:solidFill>
-            </a:ln>
-          </p:spPr>
-          <p:style>
-            <a:lnRef idx="1">
-              <a:schemeClr val="accent1"/>
-            </a:lnRef>
-            <a:fillRef idx="3">
-              <a:schemeClr val="accent1"/>
-            </a:fillRef>
-            <a:effectRef idx="2">
-              <a:schemeClr val="accent1"/>
-            </a:effectRef>
-            <a:fontRef idx="minor">
-              <a:schemeClr val="lt1"/>
-            </a:fontRef>
-          </p:style>
-          <p:txBody>
-            <a:bodyPr/>
-            <a:lstStyle/>
-            <a:p>
-              <a:endParaRPr lang="en-US"/>
-            </a:p>
-          </p:txBody>
-        </p:sp>
-        <p:sp>
-          <p:nvSpPr>
-            <p:cNvPr id="14" name="TextBox 13"/>
-            <p:cNvSpPr txBox="1"/>
-            <p:nvPr/>
-          </p:nvSpPr>
-          <p:spPr>
-            <a:xfrm>
-              <a:off x="1520518" y="1403769"/>
-              <a:ext cx="785323" cy="600806"/>
-            </a:xfrm>
-            <a:prstGeom prst="rect">
-              <a:avLst/>
-            </a:prstGeom>
-            <a:noFill/>
-          </p:spPr>
-          <p:txBody>
-            <a:bodyPr wrap="square" rtlCol="0">
-              <a:spAutoFit/>
-            </a:bodyPr>
-            <a:lstStyle/>
-            <a:p>
-              <a:r>
-                <a:rPr lang="en-US" dirty="0" smtClean="0">
-                  <a:latin typeface="Helvetica"/>
-                  <a:cs typeface="Helvetica"/>
-                </a:rPr>
-                <a:t>imposter</a:t>
-              </a:r>
-              <a:endParaRPr lang="en-US" dirty="0">
-                <a:latin typeface="Helvetica"/>
-                <a:cs typeface="Helvetica"/>
-              </a:endParaRPr>
-            </a:p>
-          </p:txBody>
-        </p:sp>
-      </p:grpSp>
-      <p:grpSp>
-        <p:nvGrpSpPr>
           <p:cNvPr id="15" name="Group 14"/>
           <p:cNvGrpSpPr/>
           <p:nvPr/>
@@ -8723,18 +9331,273 @@
           </p:txBody>
         </p:sp>
       </p:grpSp>
+      <p:grpSp>
+        <p:nvGrpSpPr>
+          <p:cNvPr id="13" name="Group 12"/>
+          <p:cNvGrpSpPr/>
+          <p:nvPr/>
+        </p:nvGrpSpPr>
+        <p:grpSpPr>
+          <a:xfrm>
+            <a:off x="4553111" y="2944636"/>
+            <a:ext cx="2279194" cy="628730"/>
+            <a:chOff x="1242710" y="1226250"/>
+            <a:chExt cx="1076953" cy="979673"/>
+          </a:xfrm>
+        </p:grpSpPr>
+        <p:sp>
+          <p:nvSpPr>
+            <p:cNvPr id="14" name="Rectangle 13"/>
+            <p:cNvSpPr/>
+            <p:nvPr/>
+          </p:nvSpPr>
+          <p:spPr>
+            <a:xfrm>
+              <a:off x="1242710" y="1226250"/>
+              <a:ext cx="1063131" cy="979673"/>
+            </a:xfrm>
+            <a:prstGeom prst="rect">
+              <a:avLst/>
+            </a:prstGeom>
+            <a:noFill/>
+            <a:ln>
+              <a:solidFill>
+                <a:schemeClr val="tx1"/>
+              </a:solidFill>
+              <a:prstDash val="lgDashDot"/>
+            </a:ln>
+          </p:spPr>
+          <p:style>
+            <a:lnRef idx="1">
+              <a:schemeClr val="accent1"/>
+            </a:lnRef>
+            <a:fillRef idx="3">
+              <a:schemeClr val="accent1"/>
+            </a:fillRef>
+            <a:effectRef idx="2">
+              <a:schemeClr val="accent1"/>
+            </a:effectRef>
+            <a:fontRef idx="minor">
+              <a:schemeClr val="lt1"/>
+            </a:fontRef>
+          </p:style>
+          <p:txBody>
+            <a:bodyPr/>
+            <a:lstStyle/>
+            <a:p>
+              <a:endParaRPr lang="en-US"/>
+            </a:p>
+          </p:txBody>
+        </p:sp>
+        <p:sp>
+          <p:nvSpPr>
+            <p:cNvPr id="18" name="TextBox 17"/>
+            <p:cNvSpPr txBox="1"/>
+            <p:nvPr/>
+          </p:nvSpPr>
+          <p:spPr>
+            <a:xfrm>
+              <a:off x="1534340" y="1464266"/>
+              <a:ext cx="785323" cy="575485"/>
+            </a:xfrm>
+            <a:prstGeom prst="rect">
+              <a:avLst/>
+            </a:prstGeom>
+            <a:noFill/>
+            <a:ln>
+              <a:noFill/>
+              <a:prstDash val="lgDashDotDot"/>
+            </a:ln>
+          </p:spPr>
+          <p:txBody>
+            <a:bodyPr wrap="square" rtlCol="0">
+              <a:spAutoFit/>
+            </a:bodyPr>
+            <a:lstStyle/>
+            <a:p>
+              <a:r>
+                <a:rPr lang="en-US" dirty="0" smtClean="0">
+                  <a:latin typeface="Helvetica"/>
+                  <a:cs typeface="Helvetica"/>
+                </a:rPr>
+                <a:t>imposter</a:t>
+              </a:r>
+              <a:endParaRPr lang="en-US" dirty="0">
+                <a:latin typeface="Helvetica"/>
+                <a:cs typeface="Helvetica"/>
+              </a:endParaRPr>
+            </a:p>
+          </p:txBody>
+        </p:sp>
+      </p:grpSp>
+      <p:sp>
+        <p:nvSpPr>
+          <p:cNvPr id="22" name="Lightning Bolt 21"/>
+          <p:cNvSpPr/>
+          <p:nvPr/>
+        </p:nvSpPr>
+        <p:spPr>
+          <a:xfrm rot="18432592">
+            <a:off x="3514953" y="2880695"/>
+            <a:ext cx="822960" cy="822960"/>
+          </a:xfrm>
+          <a:prstGeom prst="lightningBolt">
+            <a:avLst/>
+          </a:prstGeom>
+          <a:noFill/>
+          <a:ln>
+            <a:solidFill>
+              <a:srgbClr val="FF0000"/>
+            </a:solidFill>
+          </a:ln>
+        </p:spPr>
+        <p:style>
+          <a:lnRef idx="1">
+            <a:schemeClr val="accent1"/>
+          </a:lnRef>
+          <a:fillRef idx="3">
+            <a:schemeClr val="accent1"/>
+          </a:fillRef>
+          <a:effectRef idx="2">
+            <a:schemeClr val="accent1"/>
+          </a:effectRef>
+          <a:fontRef idx="minor">
+            <a:schemeClr val="lt1"/>
+          </a:fontRef>
+        </p:style>
+        <p:txBody>
+          <a:bodyPr/>
+          <a:lstStyle/>
+          <a:p>
+            <a:endParaRPr lang="en-US"/>
+          </a:p>
+        </p:txBody>
+      </p:sp>
+      <p:sp>
+        <p:nvSpPr>
+          <p:cNvPr id="23" name="TextBox 22"/>
+          <p:cNvSpPr txBox="1"/>
+          <p:nvPr/>
+        </p:nvSpPr>
+        <p:spPr>
+          <a:xfrm>
+            <a:off x="3660901" y="2673066"/>
+            <a:ext cx="822060" cy="369332"/>
+          </a:xfrm>
+          <a:prstGeom prst="rect">
+            <a:avLst/>
+          </a:prstGeom>
+          <a:noFill/>
+        </p:spPr>
+        <p:txBody>
+          <a:bodyPr wrap="none" rtlCol="0">
+            <a:spAutoFit/>
+          </a:bodyPr>
+          <a:lstStyle/>
+          <a:p>
+            <a:r>
+              <a:rPr lang="en-US" b="1" i="1" dirty="0" smtClean="0"/>
+              <a:t>magic</a:t>
+            </a:r>
+            <a:endParaRPr lang="en-US" b="1" i="1" dirty="0"/>
+          </a:p>
+        </p:txBody>
+      </p:sp>
+      <p:cxnSp>
+        <p:nvCxnSpPr>
+          <p:cNvPr id="6" name="Straight Arrow Connector 5"/>
+          <p:cNvCxnSpPr>
+            <a:endCxn id="16" idx="1"/>
+          </p:cNvCxnSpPr>
+          <p:nvPr/>
+        </p:nvCxnSpPr>
+        <p:spPr>
+          <a:xfrm flipV="1">
+            <a:off x="3492652" y="1540616"/>
+            <a:ext cx="1060459" cy="13558"/>
+          </a:xfrm>
+          <a:prstGeom prst="straightConnector1">
+            <a:avLst/>
+          </a:prstGeom>
+          <a:ln>
+            <a:solidFill>
+              <a:schemeClr val="bg1">
+                <a:lumMod val="65000"/>
+              </a:schemeClr>
+            </a:solidFill>
+            <a:tailEnd type="arrow"/>
+          </a:ln>
+        </p:spPr>
+        <p:style>
+          <a:lnRef idx="2">
+            <a:schemeClr val="accent1"/>
+          </a:lnRef>
+          <a:fillRef idx="0">
+            <a:schemeClr val="accent1"/>
+          </a:fillRef>
+          <a:effectRef idx="1">
+            <a:schemeClr val="accent1"/>
+          </a:effectRef>
+          <a:fontRef idx="minor">
+            <a:schemeClr val="tx1"/>
+          </a:fontRef>
+        </p:style>
+      </p:cxnSp>
+      <p:sp>
+        <p:nvSpPr>
+          <p:cNvPr id="12" name="TextBox 11"/>
+          <p:cNvSpPr txBox="1"/>
+          <p:nvPr/>
+        </p:nvSpPr>
+        <p:spPr>
+          <a:xfrm>
+            <a:off x="3725882" y="1171284"/>
+            <a:ext cx="573632" cy="369332"/>
+          </a:xfrm>
+          <a:prstGeom prst="rect">
+            <a:avLst/>
+          </a:prstGeom>
+          <a:noFill/>
+        </p:spPr>
+        <p:txBody>
+          <a:bodyPr wrap="none" rtlCol="0">
+            <a:spAutoFit/>
+          </a:bodyPr>
+          <a:lstStyle/>
+          <a:p>
+            <a:r>
+              <a:rPr lang="en-US" dirty="0" smtClean="0">
+                <a:solidFill>
+                  <a:schemeClr val="bg1">
+                    <a:lumMod val="65000"/>
+                  </a:schemeClr>
+                </a:solidFill>
+              </a:rPr>
+              <a:t>http</a:t>
+            </a:r>
+            <a:endParaRPr lang="en-US" dirty="0">
+              <a:solidFill>
+                <a:schemeClr val="bg1">
+                  <a:lumMod val="65000"/>
+                </a:schemeClr>
+              </a:solidFill>
+            </a:endParaRPr>
+          </a:p>
+        </p:txBody>
+      </p:sp>
       <p:cxnSp>
         <p:nvCxnSpPr>
           <p:cNvPr id="7" name="Straight Arrow Connector 6"/>
           <p:cNvCxnSpPr>
-            <a:endCxn id="10" idx="0"/>
+            <a:stCxn id="16" idx="2"/>
+            <a:endCxn id="14" idx="0"/>
           </p:cNvCxnSpPr>
           <p:nvPr/>
         </p:nvCxnSpPr>
         <p:spPr>
           <a:xfrm>
-            <a:off x="2328796" y="1854981"/>
-            <a:ext cx="0" cy="1078291"/>
+            <a:off x="5678082" y="1854981"/>
+            <a:ext cx="0" cy="1089655"/>
           </a:xfrm>
           <a:prstGeom prst="straightConnector1">
             <a:avLst/>
@@ -8761,10 +9624,1328 @@
           </a:fontRef>
         </p:style>
       </p:cxnSp>
+      <p:sp>
+        <p:nvSpPr>
+          <p:cNvPr id="20" name="TextBox 19"/>
+          <p:cNvSpPr txBox="1"/>
+          <p:nvPr/>
+        </p:nvSpPr>
+        <p:spPr>
+          <a:xfrm>
+            <a:off x="5678082" y="2154950"/>
+            <a:ext cx="480871" cy="369332"/>
+          </a:xfrm>
+          <a:prstGeom prst="rect">
+            <a:avLst/>
+          </a:prstGeom>
+          <a:noFill/>
+        </p:spPr>
+        <p:txBody>
+          <a:bodyPr wrap="none" rtlCol="0">
+            <a:spAutoFit/>
+          </a:bodyPr>
+          <a:lstStyle/>
+          <a:p>
+            <a:r>
+              <a:rPr lang="en-US" dirty="0" smtClean="0"/>
+              <a:t>tcp</a:t>
+            </a:r>
+            <a:endParaRPr lang="en-US" dirty="0"/>
+          </a:p>
+        </p:txBody>
+      </p:sp>
     </p:spTree>
     <p:extLst>
       <p:ext uri="{BB962C8B-B14F-4D97-AF65-F5344CB8AC3E}">
-        <p14:creationId xmlns:p14="http://schemas.microsoft.com/office/powerpoint/2010/main" val="2204240735"/>
+        <p14:creationId xmlns:p14="http://schemas.microsoft.com/office/powerpoint/2010/main" val="3584137793"/>
+      </p:ext>
+    </p:extLst>
+  </p:cSld>
+  <p:clrMapOvr>
+    <a:overrideClrMapping bg1="lt1" tx1="dk1" bg2="lt2" tx2="dk2" accent1="accent1" accent2="accent2" accent3="accent3" accent4="accent4" accent5="accent5" accent6="accent6" hlink="hlink" folHlink="folHlink"/>
+  </p:clrMapOvr>
+</p:sld>
+</file>
+
+<file path=ppt/slides/slide8.xml><?xml version="1.0" encoding="utf-8"?>
+<p:sld xmlns:a="http://schemas.openxmlformats.org/drawingml/2006/main" xmlns:r="http://schemas.openxmlformats.org/officeDocument/2006/relationships" xmlns:p="http://schemas.openxmlformats.org/presentationml/2006/main">
+  <p:cSld>
+    <p:bg>
+      <p:bgPr>
+        <a:solidFill>
+          <a:srgbClr val="F3F2EE"/>
+        </a:solidFill>
+        <a:effectLst/>
+      </p:bgPr>
+    </p:bg>
+    <p:spTree>
+      <p:nvGrpSpPr>
+        <p:cNvPr id="1" name=""/>
+        <p:cNvGrpSpPr/>
+        <p:nvPr/>
+      </p:nvGrpSpPr>
+      <p:grpSpPr>
+        <a:xfrm>
+          <a:off x="0" y="0"/>
+          <a:ext cx="0" cy="0"/>
+          <a:chOff x="0" y="0"/>
+          <a:chExt cx="0" cy="0"/>
+        </a:xfrm>
+      </p:grpSpPr>
+      <p:grpSp>
+        <p:nvGrpSpPr>
+          <p:cNvPr id="8" name="Group 7"/>
+          <p:cNvGrpSpPr/>
+          <p:nvPr/>
+        </p:nvGrpSpPr>
+        <p:grpSpPr>
+          <a:xfrm>
+            <a:off x="1242710" y="1226251"/>
+            <a:ext cx="2418191" cy="628730"/>
+            <a:chOff x="1242710" y="1226250"/>
+            <a:chExt cx="1142631" cy="979673"/>
+          </a:xfrm>
+        </p:grpSpPr>
+        <p:sp>
+          <p:nvSpPr>
+            <p:cNvPr id="4" name="Rectangle 3"/>
+            <p:cNvSpPr/>
+            <p:nvPr/>
+          </p:nvSpPr>
+          <p:spPr>
+            <a:xfrm>
+              <a:off x="1242710" y="1226250"/>
+              <a:ext cx="1063131" cy="979673"/>
+            </a:xfrm>
+            <a:prstGeom prst="rect">
+              <a:avLst/>
+            </a:prstGeom>
+            <a:noFill/>
+            <a:ln>
+              <a:solidFill>
+                <a:schemeClr val="tx1"/>
+              </a:solidFill>
+            </a:ln>
+          </p:spPr>
+          <p:style>
+            <a:lnRef idx="1">
+              <a:schemeClr val="accent1"/>
+            </a:lnRef>
+            <a:fillRef idx="3">
+              <a:schemeClr val="accent1"/>
+            </a:fillRef>
+            <a:effectRef idx="2">
+              <a:schemeClr val="accent1"/>
+            </a:effectRef>
+            <a:fontRef idx="minor">
+              <a:schemeClr val="lt1"/>
+            </a:fontRef>
+          </p:style>
+          <p:txBody>
+            <a:bodyPr/>
+            <a:lstStyle/>
+            <a:p>
+              <a:endParaRPr lang="en-US"/>
+            </a:p>
+          </p:txBody>
+        </p:sp>
+        <p:sp>
+          <p:nvSpPr>
+            <p:cNvPr id="5" name="TextBox 4"/>
+            <p:cNvSpPr txBox="1"/>
+            <p:nvPr/>
+          </p:nvSpPr>
+          <p:spPr>
+            <a:xfrm>
+              <a:off x="1600018" y="1464266"/>
+              <a:ext cx="785323" cy="461757"/>
+            </a:xfrm>
+            <a:prstGeom prst="rect">
+              <a:avLst/>
+            </a:prstGeom>
+            <a:noFill/>
+          </p:spPr>
+          <p:txBody>
+            <a:bodyPr wrap="square" rtlCol="0">
+              <a:spAutoFit/>
+            </a:bodyPr>
+            <a:lstStyle/>
+            <a:p>
+              <a:r>
+                <a:rPr lang="en-US" dirty="0" smtClean="0">
+                  <a:latin typeface="Helvetica"/>
+                  <a:cs typeface="Helvetica"/>
+                </a:rPr>
+                <a:t>test</a:t>
+              </a:r>
+              <a:endParaRPr lang="en-US" dirty="0">
+                <a:latin typeface="Helvetica"/>
+                <a:cs typeface="Helvetica"/>
+              </a:endParaRPr>
+            </a:p>
+          </p:txBody>
+        </p:sp>
+      </p:grpSp>
+      <p:grpSp>
+        <p:nvGrpSpPr>
+          <p:cNvPr id="9" name="Group 8"/>
+          <p:cNvGrpSpPr/>
+          <p:nvPr/>
+        </p:nvGrpSpPr>
+        <p:grpSpPr>
+          <a:xfrm>
+            <a:off x="1242710" y="2933272"/>
+            <a:ext cx="2172171" cy="755457"/>
+            <a:chOff x="1242710" y="1226250"/>
+            <a:chExt cx="1063131" cy="1228929"/>
+          </a:xfrm>
+        </p:grpSpPr>
+        <p:sp>
+          <p:nvSpPr>
+            <p:cNvPr id="10" name="Rectangle 9"/>
+            <p:cNvSpPr/>
+            <p:nvPr/>
+          </p:nvSpPr>
+          <p:spPr>
+            <a:xfrm>
+              <a:off x="1242710" y="1226250"/>
+              <a:ext cx="1063131" cy="979673"/>
+            </a:xfrm>
+            <a:prstGeom prst="rect">
+              <a:avLst/>
+            </a:prstGeom>
+            <a:noFill/>
+            <a:ln>
+              <a:solidFill>
+                <a:schemeClr val="tx1"/>
+              </a:solidFill>
+            </a:ln>
+          </p:spPr>
+          <p:style>
+            <a:lnRef idx="1">
+              <a:schemeClr val="accent1"/>
+            </a:lnRef>
+            <a:fillRef idx="3">
+              <a:schemeClr val="accent1"/>
+            </a:fillRef>
+            <a:effectRef idx="2">
+              <a:schemeClr val="accent1"/>
+            </a:effectRef>
+            <a:fontRef idx="minor">
+              <a:schemeClr val="lt1"/>
+            </a:fontRef>
+          </p:style>
+          <p:txBody>
+            <a:bodyPr/>
+            <a:lstStyle/>
+            <a:p>
+              <a:endParaRPr lang="en-US"/>
+            </a:p>
+          </p:txBody>
+        </p:sp>
+        <p:sp>
+          <p:nvSpPr>
+            <p:cNvPr id="11" name="TextBox 10"/>
+            <p:cNvSpPr txBox="1"/>
+            <p:nvPr/>
+          </p:nvSpPr>
+          <p:spPr>
+            <a:xfrm>
+              <a:off x="1386846" y="1403769"/>
+              <a:ext cx="785323" cy="1051410"/>
+            </a:xfrm>
+            <a:prstGeom prst="rect">
+              <a:avLst/>
+            </a:prstGeom>
+            <a:noFill/>
+          </p:spPr>
+          <p:txBody>
+            <a:bodyPr wrap="square" rtlCol="0">
+              <a:spAutoFit/>
+            </a:bodyPr>
+            <a:lstStyle/>
+            <a:p>
+              <a:r>
+                <a:rPr lang="en-US" dirty="0" smtClean="0">
+                  <a:latin typeface="Helvetica"/>
+                  <a:cs typeface="Helvetica"/>
+                </a:rPr>
+                <a:t>mountebank</a:t>
+              </a:r>
+              <a:endParaRPr lang="en-US" dirty="0">
+                <a:latin typeface="Helvetica"/>
+                <a:cs typeface="Helvetica"/>
+              </a:endParaRPr>
+            </a:p>
+          </p:txBody>
+        </p:sp>
+      </p:grpSp>
+      <p:grpSp>
+        <p:nvGrpSpPr>
+          <p:cNvPr id="15" name="Group 14"/>
+          <p:cNvGrpSpPr/>
+          <p:nvPr/>
+        </p:nvGrpSpPr>
+        <p:grpSpPr>
+          <a:xfrm>
+            <a:off x="4553111" y="1226251"/>
+            <a:ext cx="2418191" cy="628730"/>
+            <a:chOff x="1242710" y="1226250"/>
+            <a:chExt cx="1142631" cy="979673"/>
+          </a:xfrm>
+        </p:grpSpPr>
+        <p:sp>
+          <p:nvSpPr>
+            <p:cNvPr id="16" name="Rectangle 15"/>
+            <p:cNvSpPr/>
+            <p:nvPr/>
+          </p:nvSpPr>
+          <p:spPr>
+            <a:xfrm>
+              <a:off x="1242710" y="1226250"/>
+              <a:ext cx="1063131" cy="979673"/>
+            </a:xfrm>
+            <a:prstGeom prst="rect">
+              <a:avLst/>
+            </a:prstGeom>
+            <a:noFill/>
+            <a:ln>
+              <a:solidFill>
+                <a:schemeClr val="tx1"/>
+              </a:solidFill>
+            </a:ln>
+          </p:spPr>
+          <p:style>
+            <a:lnRef idx="1">
+              <a:schemeClr val="accent1"/>
+            </a:lnRef>
+            <a:fillRef idx="3">
+              <a:schemeClr val="accent1"/>
+            </a:fillRef>
+            <a:effectRef idx="2">
+              <a:schemeClr val="accent1"/>
+            </a:effectRef>
+            <a:fontRef idx="minor">
+              <a:schemeClr val="lt1"/>
+            </a:fontRef>
+          </p:style>
+          <p:txBody>
+            <a:bodyPr/>
+            <a:lstStyle/>
+            <a:p>
+              <a:endParaRPr lang="en-US"/>
+            </a:p>
+          </p:txBody>
+        </p:sp>
+        <p:sp>
+          <p:nvSpPr>
+            <p:cNvPr id="17" name="TextBox 16"/>
+            <p:cNvSpPr txBox="1"/>
+            <p:nvPr/>
+          </p:nvSpPr>
+          <p:spPr>
+            <a:xfrm>
+              <a:off x="1600018" y="1464266"/>
+              <a:ext cx="785323" cy="575485"/>
+            </a:xfrm>
+            <a:prstGeom prst="rect">
+              <a:avLst/>
+            </a:prstGeom>
+            <a:noFill/>
+          </p:spPr>
+          <p:txBody>
+            <a:bodyPr wrap="square" rtlCol="0">
+              <a:spAutoFit/>
+            </a:bodyPr>
+            <a:lstStyle/>
+            <a:p>
+              <a:r>
+                <a:rPr lang="en-US" dirty="0" smtClean="0">
+                  <a:latin typeface="Helvetica"/>
+                  <a:cs typeface="Helvetica"/>
+                </a:rPr>
+                <a:t>app</a:t>
+              </a:r>
+              <a:endParaRPr lang="en-US" dirty="0">
+                <a:latin typeface="Helvetica"/>
+                <a:cs typeface="Helvetica"/>
+              </a:endParaRPr>
+            </a:p>
+          </p:txBody>
+        </p:sp>
+      </p:grpSp>
+      <p:grpSp>
+        <p:nvGrpSpPr>
+          <p:cNvPr id="13" name="Group 12"/>
+          <p:cNvGrpSpPr/>
+          <p:nvPr/>
+        </p:nvGrpSpPr>
+        <p:grpSpPr>
+          <a:xfrm>
+            <a:off x="4553111" y="2944636"/>
+            <a:ext cx="2279194" cy="628730"/>
+            <a:chOff x="1242710" y="1226250"/>
+            <a:chExt cx="1076953" cy="979673"/>
+          </a:xfrm>
+        </p:grpSpPr>
+        <p:sp>
+          <p:nvSpPr>
+            <p:cNvPr id="14" name="Rectangle 13"/>
+            <p:cNvSpPr/>
+            <p:nvPr/>
+          </p:nvSpPr>
+          <p:spPr>
+            <a:xfrm>
+              <a:off x="1242710" y="1226250"/>
+              <a:ext cx="1063131" cy="979673"/>
+            </a:xfrm>
+            <a:prstGeom prst="rect">
+              <a:avLst/>
+            </a:prstGeom>
+            <a:noFill/>
+            <a:ln>
+              <a:solidFill>
+                <a:schemeClr val="tx1"/>
+              </a:solidFill>
+            </a:ln>
+          </p:spPr>
+          <p:style>
+            <a:lnRef idx="1">
+              <a:schemeClr val="accent1"/>
+            </a:lnRef>
+            <a:fillRef idx="3">
+              <a:schemeClr val="accent1"/>
+            </a:fillRef>
+            <a:effectRef idx="2">
+              <a:schemeClr val="accent1"/>
+            </a:effectRef>
+            <a:fontRef idx="minor">
+              <a:schemeClr val="lt1"/>
+            </a:fontRef>
+          </p:style>
+          <p:txBody>
+            <a:bodyPr/>
+            <a:lstStyle/>
+            <a:p>
+              <a:endParaRPr lang="en-US"/>
+            </a:p>
+          </p:txBody>
+        </p:sp>
+        <p:sp>
+          <p:nvSpPr>
+            <p:cNvPr id="18" name="TextBox 17"/>
+            <p:cNvSpPr txBox="1"/>
+            <p:nvPr/>
+          </p:nvSpPr>
+          <p:spPr>
+            <a:xfrm>
+              <a:off x="1534340" y="1464266"/>
+              <a:ext cx="785323" cy="575485"/>
+            </a:xfrm>
+            <a:prstGeom prst="rect">
+              <a:avLst/>
+            </a:prstGeom>
+            <a:noFill/>
+          </p:spPr>
+          <p:txBody>
+            <a:bodyPr wrap="square" rtlCol="0">
+              <a:spAutoFit/>
+            </a:bodyPr>
+            <a:lstStyle/>
+            <a:p>
+              <a:r>
+                <a:rPr lang="en-US" dirty="0" smtClean="0">
+                  <a:latin typeface="Helvetica"/>
+                  <a:cs typeface="Helvetica"/>
+                </a:rPr>
+                <a:t>imposter</a:t>
+              </a:r>
+              <a:endParaRPr lang="en-US" dirty="0">
+                <a:latin typeface="Helvetica"/>
+                <a:cs typeface="Helvetica"/>
+              </a:endParaRPr>
+            </a:p>
+          </p:txBody>
+        </p:sp>
+      </p:grpSp>
+      <p:sp>
+        <p:nvSpPr>
+          <p:cNvPr id="22" name="Lightning Bolt 21"/>
+          <p:cNvSpPr/>
+          <p:nvPr/>
+        </p:nvSpPr>
+        <p:spPr>
+          <a:xfrm rot="18432592">
+            <a:off x="3514953" y="2880695"/>
+            <a:ext cx="822960" cy="822960"/>
+          </a:xfrm>
+          <a:prstGeom prst="lightningBolt">
+            <a:avLst/>
+          </a:prstGeom>
+          <a:noFill/>
+          <a:ln>
+            <a:solidFill>
+              <a:srgbClr val="FF0000"/>
+            </a:solidFill>
+          </a:ln>
+        </p:spPr>
+        <p:style>
+          <a:lnRef idx="1">
+            <a:schemeClr val="accent1"/>
+          </a:lnRef>
+          <a:fillRef idx="3">
+            <a:schemeClr val="accent1"/>
+          </a:fillRef>
+          <a:effectRef idx="2">
+            <a:schemeClr val="accent1"/>
+          </a:effectRef>
+          <a:fontRef idx="minor">
+            <a:schemeClr val="lt1"/>
+          </a:fontRef>
+        </p:style>
+        <p:txBody>
+          <a:bodyPr/>
+          <a:lstStyle/>
+          <a:p>
+            <a:endParaRPr lang="en-US"/>
+          </a:p>
+        </p:txBody>
+      </p:sp>
+      <p:sp>
+        <p:nvSpPr>
+          <p:cNvPr id="23" name="TextBox 22"/>
+          <p:cNvSpPr txBox="1"/>
+          <p:nvPr/>
+        </p:nvSpPr>
+        <p:spPr>
+          <a:xfrm>
+            <a:off x="3660901" y="2673066"/>
+            <a:ext cx="822060" cy="369332"/>
+          </a:xfrm>
+          <a:prstGeom prst="rect">
+            <a:avLst/>
+          </a:prstGeom>
+          <a:noFill/>
+        </p:spPr>
+        <p:txBody>
+          <a:bodyPr wrap="none" rtlCol="0">
+            <a:spAutoFit/>
+          </a:bodyPr>
+          <a:lstStyle/>
+          <a:p>
+            <a:r>
+              <a:rPr lang="en-US" b="1" i="1" dirty="0" smtClean="0"/>
+              <a:t>magic</a:t>
+            </a:r>
+            <a:endParaRPr lang="en-US" b="1" i="1" dirty="0"/>
+          </a:p>
+        </p:txBody>
+      </p:sp>
+      <p:cxnSp>
+        <p:nvCxnSpPr>
+          <p:cNvPr id="6" name="Straight Arrow Connector 5"/>
+          <p:cNvCxnSpPr>
+            <a:endCxn id="16" idx="1"/>
+          </p:cNvCxnSpPr>
+          <p:nvPr/>
+        </p:nvCxnSpPr>
+        <p:spPr>
+          <a:xfrm flipV="1">
+            <a:off x="3492652" y="1540616"/>
+            <a:ext cx="1060459" cy="13558"/>
+          </a:xfrm>
+          <a:prstGeom prst="straightConnector1">
+            <a:avLst/>
+          </a:prstGeom>
+          <a:ln>
+            <a:solidFill>
+              <a:schemeClr val="bg1">
+                <a:lumMod val="65000"/>
+              </a:schemeClr>
+            </a:solidFill>
+            <a:tailEnd type="arrow"/>
+          </a:ln>
+        </p:spPr>
+        <p:style>
+          <a:lnRef idx="2">
+            <a:schemeClr val="accent1"/>
+          </a:lnRef>
+          <a:fillRef idx="0">
+            <a:schemeClr val="accent1"/>
+          </a:fillRef>
+          <a:effectRef idx="1">
+            <a:schemeClr val="accent1"/>
+          </a:effectRef>
+          <a:fontRef idx="minor">
+            <a:schemeClr val="tx1"/>
+          </a:fontRef>
+        </p:style>
+      </p:cxnSp>
+      <p:sp>
+        <p:nvSpPr>
+          <p:cNvPr id="12" name="TextBox 11"/>
+          <p:cNvSpPr txBox="1"/>
+          <p:nvPr/>
+        </p:nvSpPr>
+        <p:spPr>
+          <a:xfrm>
+            <a:off x="3725882" y="1171284"/>
+            <a:ext cx="573632" cy="369332"/>
+          </a:xfrm>
+          <a:prstGeom prst="rect">
+            <a:avLst/>
+          </a:prstGeom>
+          <a:noFill/>
+        </p:spPr>
+        <p:txBody>
+          <a:bodyPr wrap="none" rtlCol="0">
+            <a:spAutoFit/>
+          </a:bodyPr>
+          <a:lstStyle/>
+          <a:p>
+            <a:r>
+              <a:rPr lang="en-US" dirty="0" smtClean="0">
+                <a:solidFill>
+                  <a:schemeClr val="bg1">
+                    <a:lumMod val="65000"/>
+                  </a:schemeClr>
+                </a:solidFill>
+              </a:rPr>
+              <a:t>http</a:t>
+            </a:r>
+            <a:endParaRPr lang="en-US" dirty="0">
+              <a:solidFill>
+                <a:schemeClr val="bg1">
+                  <a:lumMod val="65000"/>
+                </a:schemeClr>
+              </a:solidFill>
+            </a:endParaRPr>
+          </a:p>
+        </p:txBody>
+      </p:sp>
+      <p:cxnSp>
+        <p:nvCxnSpPr>
+          <p:cNvPr id="7" name="Straight Arrow Connector 6"/>
+          <p:cNvCxnSpPr>
+            <a:stCxn id="16" idx="2"/>
+            <a:endCxn id="14" idx="0"/>
+          </p:cNvCxnSpPr>
+          <p:nvPr/>
+        </p:nvCxnSpPr>
+        <p:spPr>
+          <a:xfrm>
+            <a:off x="5678082" y="1854981"/>
+            <a:ext cx="0" cy="1089655"/>
+          </a:xfrm>
+          <a:prstGeom prst="straightConnector1">
+            <a:avLst/>
+          </a:prstGeom>
+          <a:ln>
+            <a:solidFill>
+              <a:schemeClr val="tx1"/>
+            </a:solidFill>
+            <a:prstDash val="dash"/>
+            <a:headEnd type="arrow"/>
+            <a:tailEnd type="none"/>
+          </a:ln>
+        </p:spPr>
+        <p:style>
+          <a:lnRef idx="2">
+            <a:schemeClr val="accent1"/>
+          </a:lnRef>
+          <a:fillRef idx="0">
+            <a:schemeClr val="accent1"/>
+          </a:fillRef>
+          <a:effectRef idx="1">
+            <a:schemeClr val="accent1"/>
+          </a:effectRef>
+          <a:fontRef idx="minor">
+            <a:schemeClr val="tx1"/>
+          </a:fontRef>
+        </p:style>
+      </p:cxnSp>
+      <p:sp>
+        <p:nvSpPr>
+          <p:cNvPr id="20" name="TextBox 19"/>
+          <p:cNvSpPr txBox="1"/>
+          <p:nvPr/>
+        </p:nvSpPr>
+        <p:spPr>
+          <a:xfrm>
+            <a:off x="5678082" y="2154950"/>
+            <a:ext cx="480871" cy="369332"/>
+          </a:xfrm>
+          <a:prstGeom prst="rect">
+            <a:avLst/>
+          </a:prstGeom>
+          <a:noFill/>
+        </p:spPr>
+        <p:txBody>
+          <a:bodyPr wrap="none" rtlCol="0">
+            <a:spAutoFit/>
+          </a:bodyPr>
+          <a:lstStyle/>
+          <a:p>
+            <a:r>
+              <a:rPr lang="en-US" dirty="0" smtClean="0"/>
+              <a:t>tcp</a:t>
+            </a:r>
+            <a:endParaRPr lang="en-US" dirty="0"/>
+          </a:p>
+        </p:txBody>
+      </p:sp>
+    </p:spTree>
+    <p:extLst>
+      <p:ext uri="{BB962C8B-B14F-4D97-AF65-F5344CB8AC3E}">
+        <p14:creationId xmlns:p14="http://schemas.microsoft.com/office/powerpoint/2010/main" val="3228718853"/>
+      </p:ext>
+    </p:extLst>
+  </p:cSld>
+  <p:clrMapOvr>
+    <a:overrideClrMapping bg1="lt1" tx1="dk1" bg2="lt2" tx2="dk2" accent1="accent1" accent2="accent2" accent3="accent3" accent4="accent4" accent5="accent5" accent6="accent6" hlink="hlink" folHlink="folHlink"/>
+  </p:clrMapOvr>
+</p:sld>
+</file>
+
+<file path=ppt/slides/slide9.xml><?xml version="1.0" encoding="utf-8"?>
+<p:sld xmlns:a="http://schemas.openxmlformats.org/drawingml/2006/main" xmlns:r="http://schemas.openxmlformats.org/officeDocument/2006/relationships" xmlns:p="http://schemas.openxmlformats.org/presentationml/2006/main">
+  <p:cSld>
+    <p:bg>
+      <p:bgPr>
+        <a:solidFill>
+          <a:srgbClr val="F3F2EE"/>
+        </a:solidFill>
+        <a:effectLst/>
+      </p:bgPr>
+    </p:bg>
+    <p:spTree>
+      <p:nvGrpSpPr>
+        <p:cNvPr id="1" name=""/>
+        <p:cNvGrpSpPr/>
+        <p:nvPr/>
+      </p:nvGrpSpPr>
+      <p:grpSpPr>
+        <a:xfrm>
+          <a:off x="0" y="0"/>
+          <a:ext cx="0" cy="0"/>
+          <a:chOff x="0" y="0"/>
+          <a:chExt cx="0" cy="0"/>
+        </a:xfrm>
+      </p:grpSpPr>
+      <p:grpSp>
+        <p:nvGrpSpPr>
+          <p:cNvPr id="8" name="Group 7"/>
+          <p:cNvGrpSpPr/>
+          <p:nvPr/>
+        </p:nvGrpSpPr>
+        <p:grpSpPr>
+          <a:xfrm>
+            <a:off x="1242710" y="1226251"/>
+            <a:ext cx="2418191" cy="628730"/>
+            <a:chOff x="1242710" y="1226250"/>
+            <a:chExt cx="1142631" cy="979673"/>
+          </a:xfrm>
+        </p:grpSpPr>
+        <p:sp>
+          <p:nvSpPr>
+            <p:cNvPr id="4" name="Rectangle 3"/>
+            <p:cNvSpPr/>
+            <p:nvPr/>
+          </p:nvSpPr>
+          <p:spPr>
+            <a:xfrm>
+              <a:off x="1242710" y="1226250"/>
+              <a:ext cx="1063131" cy="979673"/>
+            </a:xfrm>
+            <a:prstGeom prst="rect">
+              <a:avLst/>
+            </a:prstGeom>
+            <a:noFill/>
+            <a:ln>
+              <a:solidFill>
+                <a:schemeClr val="tx1"/>
+              </a:solidFill>
+            </a:ln>
+          </p:spPr>
+          <p:style>
+            <a:lnRef idx="1">
+              <a:schemeClr val="accent1"/>
+            </a:lnRef>
+            <a:fillRef idx="3">
+              <a:schemeClr val="accent1"/>
+            </a:fillRef>
+            <a:effectRef idx="2">
+              <a:schemeClr val="accent1"/>
+            </a:effectRef>
+            <a:fontRef idx="minor">
+              <a:schemeClr val="lt1"/>
+            </a:fontRef>
+          </p:style>
+          <p:txBody>
+            <a:bodyPr/>
+            <a:lstStyle/>
+            <a:p>
+              <a:endParaRPr lang="en-US"/>
+            </a:p>
+          </p:txBody>
+        </p:sp>
+        <p:sp>
+          <p:nvSpPr>
+            <p:cNvPr id="5" name="TextBox 4"/>
+            <p:cNvSpPr txBox="1"/>
+            <p:nvPr/>
+          </p:nvSpPr>
+          <p:spPr>
+            <a:xfrm>
+              <a:off x="1600018" y="1464266"/>
+              <a:ext cx="785323" cy="461757"/>
+            </a:xfrm>
+            <a:prstGeom prst="rect">
+              <a:avLst/>
+            </a:prstGeom>
+            <a:noFill/>
+          </p:spPr>
+          <p:txBody>
+            <a:bodyPr wrap="square" rtlCol="0">
+              <a:spAutoFit/>
+            </a:bodyPr>
+            <a:lstStyle/>
+            <a:p>
+              <a:r>
+                <a:rPr lang="en-US" dirty="0" smtClean="0">
+                  <a:latin typeface="Helvetica"/>
+                  <a:cs typeface="Helvetica"/>
+                </a:rPr>
+                <a:t>test</a:t>
+              </a:r>
+              <a:endParaRPr lang="en-US" dirty="0">
+                <a:latin typeface="Helvetica"/>
+                <a:cs typeface="Helvetica"/>
+              </a:endParaRPr>
+            </a:p>
+          </p:txBody>
+        </p:sp>
+      </p:grpSp>
+      <p:grpSp>
+        <p:nvGrpSpPr>
+          <p:cNvPr id="9" name="Group 8"/>
+          <p:cNvGrpSpPr/>
+          <p:nvPr/>
+        </p:nvGrpSpPr>
+        <p:grpSpPr>
+          <a:xfrm>
+            <a:off x="1242710" y="2933272"/>
+            <a:ext cx="2172171" cy="755457"/>
+            <a:chOff x="1242710" y="1226250"/>
+            <a:chExt cx="1063131" cy="1228929"/>
+          </a:xfrm>
+        </p:grpSpPr>
+        <p:sp>
+          <p:nvSpPr>
+            <p:cNvPr id="10" name="Rectangle 9"/>
+            <p:cNvSpPr/>
+            <p:nvPr/>
+          </p:nvSpPr>
+          <p:spPr>
+            <a:xfrm>
+              <a:off x="1242710" y="1226250"/>
+              <a:ext cx="1063131" cy="979673"/>
+            </a:xfrm>
+            <a:prstGeom prst="rect">
+              <a:avLst/>
+            </a:prstGeom>
+            <a:noFill/>
+            <a:ln>
+              <a:solidFill>
+                <a:schemeClr val="tx1"/>
+              </a:solidFill>
+            </a:ln>
+          </p:spPr>
+          <p:style>
+            <a:lnRef idx="1">
+              <a:schemeClr val="accent1"/>
+            </a:lnRef>
+            <a:fillRef idx="3">
+              <a:schemeClr val="accent1"/>
+            </a:fillRef>
+            <a:effectRef idx="2">
+              <a:schemeClr val="accent1"/>
+            </a:effectRef>
+            <a:fontRef idx="minor">
+              <a:schemeClr val="lt1"/>
+            </a:fontRef>
+          </p:style>
+          <p:txBody>
+            <a:bodyPr/>
+            <a:lstStyle/>
+            <a:p>
+              <a:endParaRPr lang="en-US"/>
+            </a:p>
+          </p:txBody>
+        </p:sp>
+        <p:sp>
+          <p:nvSpPr>
+            <p:cNvPr id="11" name="TextBox 10"/>
+            <p:cNvSpPr txBox="1"/>
+            <p:nvPr/>
+          </p:nvSpPr>
+          <p:spPr>
+            <a:xfrm>
+              <a:off x="1386846" y="1403769"/>
+              <a:ext cx="785323" cy="1051410"/>
+            </a:xfrm>
+            <a:prstGeom prst="rect">
+              <a:avLst/>
+            </a:prstGeom>
+            <a:noFill/>
+          </p:spPr>
+          <p:txBody>
+            <a:bodyPr wrap="square" rtlCol="0">
+              <a:spAutoFit/>
+            </a:bodyPr>
+            <a:lstStyle/>
+            <a:p>
+              <a:r>
+                <a:rPr lang="en-US" dirty="0" smtClean="0">
+                  <a:latin typeface="Helvetica"/>
+                  <a:cs typeface="Helvetica"/>
+                </a:rPr>
+                <a:t>mountebank</a:t>
+              </a:r>
+              <a:endParaRPr lang="en-US" dirty="0">
+                <a:latin typeface="Helvetica"/>
+                <a:cs typeface="Helvetica"/>
+              </a:endParaRPr>
+            </a:p>
+          </p:txBody>
+        </p:sp>
+      </p:grpSp>
+      <p:grpSp>
+        <p:nvGrpSpPr>
+          <p:cNvPr id="15" name="Group 14"/>
+          <p:cNvGrpSpPr/>
+          <p:nvPr/>
+        </p:nvGrpSpPr>
+        <p:grpSpPr>
+          <a:xfrm>
+            <a:off x="4553111" y="1226251"/>
+            <a:ext cx="2418191" cy="628730"/>
+            <a:chOff x="1242710" y="1226250"/>
+            <a:chExt cx="1142631" cy="979673"/>
+          </a:xfrm>
+        </p:grpSpPr>
+        <p:sp>
+          <p:nvSpPr>
+            <p:cNvPr id="16" name="Rectangle 15"/>
+            <p:cNvSpPr/>
+            <p:nvPr/>
+          </p:nvSpPr>
+          <p:spPr>
+            <a:xfrm>
+              <a:off x="1242710" y="1226250"/>
+              <a:ext cx="1063131" cy="979673"/>
+            </a:xfrm>
+            <a:prstGeom prst="rect">
+              <a:avLst/>
+            </a:prstGeom>
+            <a:noFill/>
+            <a:ln>
+              <a:solidFill>
+                <a:schemeClr val="tx1"/>
+              </a:solidFill>
+            </a:ln>
+          </p:spPr>
+          <p:style>
+            <a:lnRef idx="1">
+              <a:schemeClr val="accent1"/>
+            </a:lnRef>
+            <a:fillRef idx="3">
+              <a:schemeClr val="accent1"/>
+            </a:fillRef>
+            <a:effectRef idx="2">
+              <a:schemeClr val="accent1"/>
+            </a:effectRef>
+            <a:fontRef idx="minor">
+              <a:schemeClr val="lt1"/>
+            </a:fontRef>
+          </p:style>
+          <p:txBody>
+            <a:bodyPr/>
+            <a:lstStyle/>
+            <a:p>
+              <a:endParaRPr lang="en-US"/>
+            </a:p>
+          </p:txBody>
+        </p:sp>
+        <p:sp>
+          <p:nvSpPr>
+            <p:cNvPr id="17" name="TextBox 16"/>
+            <p:cNvSpPr txBox="1"/>
+            <p:nvPr/>
+          </p:nvSpPr>
+          <p:spPr>
+            <a:xfrm>
+              <a:off x="1600018" y="1464266"/>
+              <a:ext cx="785323" cy="575485"/>
+            </a:xfrm>
+            <a:prstGeom prst="rect">
+              <a:avLst/>
+            </a:prstGeom>
+            <a:noFill/>
+          </p:spPr>
+          <p:txBody>
+            <a:bodyPr wrap="square" rtlCol="0">
+              <a:spAutoFit/>
+            </a:bodyPr>
+            <a:lstStyle/>
+            <a:p>
+              <a:r>
+                <a:rPr lang="en-US" dirty="0" smtClean="0">
+                  <a:latin typeface="Helvetica"/>
+                  <a:cs typeface="Helvetica"/>
+                </a:rPr>
+                <a:t>app</a:t>
+              </a:r>
+              <a:endParaRPr lang="en-US" dirty="0">
+                <a:latin typeface="Helvetica"/>
+                <a:cs typeface="Helvetica"/>
+              </a:endParaRPr>
+            </a:p>
+          </p:txBody>
+        </p:sp>
+      </p:grpSp>
+      <p:grpSp>
+        <p:nvGrpSpPr>
+          <p:cNvPr id="13" name="Group 12"/>
+          <p:cNvGrpSpPr/>
+          <p:nvPr/>
+        </p:nvGrpSpPr>
+        <p:grpSpPr>
+          <a:xfrm>
+            <a:off x="4553111" y="2944636"/>
+            <a:ext cx="2279194" cy="628730"/>
+            <a:chOff x="1242710" y="1226250"/>
+            <a:chExt cx="1076953" cy="979673"/>
+          </a:xfrm>
+        </p:grpSpPr>
+        <p:sp>
+          <p:nvSpPr>
+            <p:cNvPr id="14" name="Rectangle 13"/>
+            <p:cNvSpPr/>
+            <p:nvPr/>
+          </p:nvSpPr>
+          <p:spPr>
+            <a:xfrm>
+              <a:off x="1242710" y="1226250"/>
+              <a:ext cx="1063131" cy="979673"/>
+            </a:xfrm>
+            <a:prstGeom prst="rect">
+              <a:avLst/>
+            </a:prstGeom>
+            <a:noFill/>
+            <a:ln>
+              <a:solidFill>
+                <a:schemeClr val="tx1"/>
+              </a:solidFill>
+            </a:ln>
+          </p:spPr>
+          <p:style>
+            <a:lnRef idx="1">
+              <a:schemeClr val="accent1"/>
+            </a:lnRef>
+            <a:fillRef idx="3">
+              <a:schemeClr val="accent1"/>
+            </a:fillRef>
+            <a:effectRef idx="2">
+              <a:schemeClr val="accent1"/>
+            </a:effectRef>
+            <a:fontRef idx="minor">
+              <a:schemeClr val="lt1"/>
+            </a:fontRef>
+          </p:style>
+          <p:txBody>
+            <a:bodyPr/>
+            <a:lstStyle/>
+            <a:p>
+              <a:endParaRPr lang="en-US"/>
+            </a:p>
+          </p:txBody>
+        </p:sp>
+        <p:sp>
+          <p:nvSpPr>
+            <p:cNvPr id="18" name="TextBox 17"/>
+            <p:cNvSpPr txBox="1"/>
+            <p:nvPr/>
+          </p:nvSpPr>
+          <p:spPr>
+            <a:xfrm>
+              <a:off x="1534340" y="1464266"/>
+              <a:ext cx="785323" cy="575485"/>
+            </a:xfrm>
+            <a:prstGeom prst="rect">
+              <a:avLst/>
+            </a:prstGeom>
+            <a:noFill/>
+          </p:spPr>
+          <p:txBody>
+            <a:bodyPr wrap="square" rtlCol="0">
+              <a:spAutoFit/>
+            </a:bodyPr>
+            <a:lstStyle/>
+            <a:p>
+              <a:r>
+                <a:rPr lang="en-US" dirty="0" smtClean="0">
+                  <a:latin typeface="Helvetica"/>
+                  <a:cs typeface="Helvetica"/>
+                </a:rPr>
+                <a:t>imposter</a:t>
+              </a:r>
+              <a:endParaRPr lang="en-US" dirty="0">
+                <a:latin typeface="Helvetica"/>
+                <a:cs typeface="Helvetica"/>
+              </a:endParaRPr>
+            </a:p>
+          </p:txBody>
+        </p:sp>
+      </p:grpSp>
+      <p:sp>
+        <p:nvSpPr>
+          <p:cNvPr id="22" name="Lightning Bolt 21"/>
+          <p:cNvSpPr/>
+          <p:nvPr/>
+        </p:nvSpPr>
+        <p:spPr>
+          <a:xfrm rot="18432592">
+            <a:off x="3514953" y="2880695"/>
+            <a:ext cx="822960" cy="822960"/>
+          </a:xfrm>
+          <a:prstGeom prst="lightningBolt">
+            <a:avLst/>
+          </a:prstGeom>
+          <a:noFill/>
+          <a:ln>
+            <a:solidFill>
+              <a:schemeClr val="bg1">
+                <a:lumMod val="65000"/>
+              </a:schemeClr>
+            </a:solidFill>
+          </a:ln>
+        </p:spPr>
+        <p:style>
+          <a:lnRef idx="1">
+            <a:schemeClr val="accent1"/>
+          </a:lnRef>
+          <a:fillRef idx="3">
+            <a:schemeClr val="accent1"/>
+          </a:fillRef>
+          <a:effectRef idx="2">
+            <a:schemeClr val="accent1"/>
+          </a:effectRef>
+          <a:fontRef idx="minor">
+            <a:schemeClr val="lt1"/>
+          </a:fontRef>
+        </p:style>
+        <p:txBody>
+          <a:bodyPr/>
+          <a:lstStyle/>
+          <a:p>
+            <a:endParaRPr lang="en-US"/>
+          </a:p>
+        </p:txBody>
+      </p:sp>
+      <p:sp>
+        <p:nvSpPr>
+          <p:cNvPr id="23" name="TextBox 22"/>
+          <p:cNvSpPr txBox="1"/>
+          <p:nvPr/>
+        </p:nvSpPr>
+        <p:spPr>
+          <a:xfrm>
+            <a:off x="3660901" y="2673066"/>
+            <a:ext cx="822060" cy="369332"/>
+          </a:xfrm>
+          <a:prstGeom prst="rect">
+            <a:avLst/>
+          </a:prstGeom>
+          <a:noFill/>
+        </p:spPr>
+        <p:txBody>
+          <a:bodyPr wrap="none" rtlCol="0">
+            <a:spAutoFit/>
+          </a:bodyPr>
+          <a:lstStyle/>
+          <a:p>
+            <a:r>
+              <a:rPr lang="en-US" b="1" i="1" dirty="0" smtClean="0">
+                <a:solidFill>
+                  <a:srgbClr val="A6A6A6"/>
+                </a:solidFill>
+              </a:rPr>
+              <a:t>magic</a:t>
+            </a:r>
+            <a:endParaRPr lang="en-US" b="1" i="1" dirty="0">
+              <a:solidFill>
+                <a:srgbClr val="A6A6A6"/>
+              </a:solidFill>
+            </a:endParaRPr>
+          </a:p>
+        </p:txBody>
+      </p:sp>
+      <p:cxnSp>
+        <p:nvCxnSpPr>
+          <p:cNvPr id="6" name="Straight Arrow Connector 5"/>
+          <p:cNvCxnSpPr>
+            <a:endCxn id="16" idx="1"/>
+          </p:cNvCxnSpPr>
+          <p:nvPr/>
+        </p:nvCxnSpPr>
+        <p:spPr>
+          <a:xfrm flipV="1">
+            <a:off x="3492652" y="1540616"/>
+            <a:ext cx="1060459" cy="13558"/>
+          </a:xfrm>
+          <a:prstGeom prst="straightConnector1">
+            <a:avLst/>
+          </a:prstGeom>
+          <a:ln>
+            <a:solidFill>
+              <a:schemeClr val="tx1"/>
+            </a:solidFill>
+            <a:prstDash val="dash"/>
+            <a:headEnd type="arrow"/>
+            <a:tailEnd type="none"/>
+          </a:ln>
+        </p:spPr>
+        <p:style>
+          <a:lnRef idx="2">
+            <a:schemeClr val="accent1"/>
+          </a:lnRef>
+          <a:fillRef idx="0">
+            <a:schemeClr val="accent1"/>
+          </a:fillRef>
+          <a:effectRef idx="1">
+            <a:schemeClr val="accent1"/>
+          </a:effectRef>
+          <a:fontRef idx="minor">
+            <a:schemeClr val="tx1"/>
+          </a:fontRef>
+        </p:style>
+      </p:cxnSp>
+      <p:sp>
+        <p:nvSpPr>
+          <p:cNvPr id="12" name="TextBox 11"/>
+          <p:cNvSpPr txBox="1"/>
+          <p:nvPr/>
+        </p:nvSpPr>
+        <p:spPr>
+          <a:xfrm>
+            <a:off x="3725882" y="1171284"/>
+            <a:ext cx="573632" cy="369332"/>
+          </a:xfrm>
+          <a:prstGeom prst="rect">
+            <a:avLst/>
+          </a:prstGeom>
+          <a:noFill/>
+        </p:spPr>
+        <p:txBody>
+          <a:bodyPr wrap="none" rtlCol="0">
+            <a:spAutoFit/>
+          </a:bodyPr>
+          <a:lstStyle/>
+          <a:p>
+            <a:r>
+              <a:rPr lang="en-US" dirty="0" smtClean="0"/>
+              <a:t>http</a:t>
+            </a:r>
+            <a:endParaRPr lang="en-US" dirty="0"/>
+          </a:p>
+        </p:txBody>
+      </p:sp>
+      <p:cxnSp>
+        <p:nvCxnSpPr>
+          <p:cNvPr id="7" name="Straight Arrow Connector 6"/>
+          <p:cNvCxnSpPr>
+            <a:stCxn id="16" idx="2"/>
+            <a:endCxn id="14" idx="0"/>
+          </p:cNvCxnSpPr>
+          <p:nvPr/>
+        </p:nvCxnSpPr>
+        <p:spPr>
+          <a:xfrm>
+            <a:off x="5678082" y="1854981"/>
+            <a:ext cx="0" cy="1089655"/>
+          </a:xfrm>
+          <a:prstGeom prst="straightConnector1">
+            <a:avLst/>
+          </a:prstGeom>
+          <a:ln>
+            <a:solidFill>
+              <a:schemeClr val="bg1">
+                <a:lumMod val="65000"/>
+              </a:schemeClr>
+            </a:solidFill>
+            <a:prstDash val="dash"/>
+            <a:headEnd type="arrow"/>
+            <a:tailEnd type="none"/>
+          </a:ln>
+        </p:spPr>
+        <p:style>
+          <a:lnRef idx="2">
+            <a:schemeClr val="accent1"/>
+          </a:lnRef>
+          <a:fillRef idx="0">
+            <a:schemeClr val="accent1"/>
+          </a:fillRef>
+          <a:effectRef idx="1">
+            <a:schemeClr val="accent1"/>
+          </a:effectRef>
+          <a:fontRef idx="minor">
+            <a:schemeClr val="tx1"/>
+          </a:fontRef>
+        </p:style>
+      </p:cxnSp>
+      <p:sp>
+        <p:nvSpPr>
+          <p:cNvPr id="20" name="TextBox 19"/>
+          <p:cNvSpPr txBox="1"/>
+          <p:nvPr/>
+        </p:nvSpPr>
+        <p:spPr>
+          <a:xfrm>
+            <a:off x="5678082" y="2154950"/>
+            <a:ext cx="480871" cy="369332"/>
+          </a:xfrm>
+          <a:prstGeom prst="rect">
+            <a:avLst/>
+          </a:prstGeom>
+          <a:noFill/>
+        </p:spPr>
+        <p:txBody>
+          <a:bodyPr wrap="none" rtlCol="0">
+            <a:spAutoFit/>
+          </a:bodyPr>
+          <a:lstStyle/>
+          <a:p>
+            <a:r>
+              <a:rPr lang="en-US" dirty="0" smtClean="0">
+                <a:solidFill>
+                  <a:srgbClr val="A6A6A6"/>
+                </a:solidFill>
+              </a:rPr>
+              <a:t>tcp</a:t>
+            </a:r>
+            <a:endParaRPr lang="en-US" dirty="0">
+              <a:solidFill>
+                <a:srgbClr val="A6A6A6"/>
+              </a:solidFill>
+            </a:endParaRPr>
+          </a:p>
+        </p:txBody>
+      </p:sp>
+    </p:spTree>
+    <p:extLst>
+      <p:ext uri="{BB962C8B-B14F-4D97-AF65-F5344CB8AC3E}">
+        <p14:creationId xmlns:p14="http://schemas.microsoft.com/office/powerpoint/2010/main" val="3810757955"/>
       </p:ext>
     </p:extLst>
   </p:cSld>
@@ -9241,6 +11422,92 @@
 </a:themeOverride>
 </file>
 
+<file path=ppt/theme/themeOverride12.xml><?xml version="1.0" encoding="utf-8"?>
+<a:themeOverride xmlns:a="http://schemas.openxmlformats.org/drawingml/2006/main">
+  <a:clrScheme name="Office">
+    <a:dk1>
+      <a:sysClr val="windowText" lastClr="000000"/>
+    </a:dk1>
+    <a:lt1>
+      <a:sysClr val="window" lastClr="FFFFFF"/>
+    </a:lt1>
+    <a:dk2>
+      <a:srgbClr val="1F497D"/>
+    </a:dk2>
+    <a:lt2>
+      <a:srgbClr val="EEECE1"/>
+    </a:lt2>
+    <a:accent1>
+      <a:srgbClr val="4F81BD"/>
+    </a:accent1>
+    <a:accent2>
+      <a:srgbClr val="C0504D"/>
+    </a:accent2>
+    <a:accent3>
+      <a:srgbClr val="9BBB59"/>
+    </a:accent3>
+    <a:accent4>
+      <a:srgbClr val="8064A2"/>
+    </a:accent4>
+    <a:accent5>
+      <a:srgbClr val="4BACC6"/>
+    </a:accent5>
+    <a:accent6>
+      <a:srgbClr val="F79646"/>
+    </a:accent6>
+    <a:hlink>
+      <a:srgbClr val="0000FF"/>
+    </a:hlink>
+    <a:folHlink>
+      <a:srgbClr val="800080"/>
+    </a:folHlink>
+  </a:clrScheme>
+</a:themeOverride>
+</file>
+
+<file path=ppt/theme/themeOverride13.xml><?xml version="1.0" encoding="utf-8"?>
+<a:themeOverride xmlns:a="http://schemas.openxmlformats.org/drawingml/2006/main">
+  <a:clrScheme name="Office">
+    <a:dk1>
+      <a:sysClr val="windowText" lastClr="000000"/>
+    </a:dk1>
+    <a:lt1>
+      <a:sysClr val="window" lastClr="FFFFFF"/>
+    </a:lt1>
+    <a:dk2>
+      <a:srgbClr val="1F497D"/>
+    </a:dk2>
+    <a:lt2>
+      <a:srgbClr val="EEECE1"/>
+    </a:lt2>
+    <a:accent1>
+      <a:srgbClr val="4F81BD"/>
+    </a:accent1>
+    <a:accent2>
+      <a:srgbClr val="C0504D"/>
+    </a:accent2>
+    <a:accent3>
+      <a:srgbClr val="9BBB59"/>
+    </a:accent3>
+    <a:accent4>
+      <a:srgbClr val="8064A2"/>
+    </a:accent4>
+    <a:accent5>
+      <a:srgbClr val="4BACC6"/>
+    </a:accent5>
+    <a:accent6>
+      <a:srgbClr val="F79646"/>
+    </a:accent6>
+    <a:hlink>
+      <a:srgbClr val="0000FF"/>
+    </a:hlink>
+    <a:folHlink>
+      <a:srgbClr val="800080"/>
+    </a:folHlink>
+  </a:clrScheme>
+</a:themeOverride>
+</file>
+
 <file path=ppt/theme/themeOverride2.xml><?xml version="1.0" encoding="utf-8"?>
 <a:themeOverride xmlns:a="http://schemas.openxmlformats.org/drawingml/2006/main">
   <a:clrScheme name="Office">
